--- a/SwipeView.pptx
+++ b/SwipeView.pptx
@@ -5,7 +5,7 @@
     <p:sldMasterId id="2147483648" r:id="rId1"/>
   </p:sldMasterIdLst>
   <p:notesMasterIdLst>
-    <p:notesMasterId r:id="rId11"/>
+    <p:notesMasterId r:id="rId12"/>
   </p:notesMasterIdLst>
   <p:sldIdLst>
     <p:sldId id="257" r:id="rId2"/>
@@ -16,7 +16,8 @@
     <p:sldId id="1355" r:id="rId7"/>
     <p:sldId id="1357" r:id="rId8"/>
     <p:sldId id="1356" r:id="rId9"/>
-    <p:sldId id="1350" r:id="rId10"/>
+    <p:sldId id="1358" r:id="rId10"/>
+    <p:sldId id="1350" r:id="rId11"/>
   </p:sldIdLst>
   <p:sldSz cx="12192000" cy="6858000"/>
   <p:notesSz cx="6858000" cy="9144000"/>
@@ -1173,6 +1174,90 @@
       </p:sp>
       <p:sp>
         <p:nvSpPr>
+          <p:cNvPr id="4" name="Slide Number Placeholder 3"/>
+          <p:cNvSpPr>
+            <a:spLocks noGrp="1"/>
+          </p:cNvSpPr>
+          <p:nvPr>
+            <p:ph type="sldNum" sz="quarter" idx="5"/>
+          </p:nvPr>
+        </p:nvSpPr>
+        <p:spPr/>
+        <p:txBody>
+          <a:bodyPr/>
+          <a:lstStyle/>
+          <a:p>
+            <a:fld id="{7049B310-3D18-CC4B-B343-71F2FD2CA4EF}" type="slidenum">
+              <a:rPr lang="en-US" smtClean="0"/>
+              <a:t>9</a:t>
+            </a:fld>
+            <a:endParaRPr lang="en-US"/>
+          </a:p>
+        </p:txBody>
+      </p:sp>
+    </p:spTree>
+    <p:extLst>
+      <p:ext uri="{BB962C8B-B14F-4D97-AF65-F5344CB8AC3E}">
+        <p14:creationId xmlns:p14="http://schemas.microsoft.com/office/powerpoint/2010/main" val="201509231"/>
+      </p:ext>
+    </p:extLst>
+  </p:cSld>
+  <p:clrMapOvr>
+    <a:masterClrMapping/>
+  </p:clrMapOvr>
+</p:notes>
+</file>
+
+<file path=ppt/notesSlides/notesSlide9.xml><?xml version="1.0" encoding="utf-8"?>
+<p:notes xmlns:a="http://schemas.openxmlformats.org/drawingml/2006/main" xmlns:r="http://schemas.openxmlformats.org/officeDocument/2006/relationships" xmlns:p="http://schemas.openxmlformats.org/presentationml/2006/main">
+  <p:cSld>
+    <p:spTree>
+      <p:nvGrpSpPr>
+        <p:cNvPr id="1" name=""/>
+        <p:cNvGrpSpPr/>
+        <p:nvPr/>
+      </p:nvGrpSpPr>
+      <p:grpSpPr>
+        <a:xfrm>
+          <a:off x="0" y="0"/>
+          <a:ext cx="0" cy="0"/>
+          <a:chOff x="0" y="0"/>
+          <a:chExt cx="0" cy="0"/>
+        </a:xfrm>
+      </p:grpSpPr>
+      <p:sp>
+        <p:nvSpPr>
+          <p:cNvPr id="2" name="Slide Image Placeholder 1"/>
+          <p:cNvSpPr>
+            <a:spLocks noGrp="1" noRot="1" noChangeAspect="1"/>
+          </p:cNvSpPr>
+          <p:nvPr>
+            <p:ph type="sldImg"/>
+          </p:nvPr>
+        </p:nvSpPr>
+        <p:spPr/>
+      </p:sp>
+      <p:sp>
+        <p:nvSpPr>
+          <p:cNvPr id="3" name="Notes Placeholder 2"/>
+          <p:cNvSpPr>
+            <a:spLocks noGrp="1"/>
+          </p:cNvSpPr>
+          <p:nvPr>
+            <p:ph type="body" idx="1"/>
+          </p:nvPr>
+        </p:nvSpPr>
+        <p:spPr/>
+        <p:txBody>
+          <a:bodyPr/>
+          <a:lstStyle/>
+          <a:p>
+            <a:endParaRPr lang="en-US"/>
+          </a:p>
+        </p:txBody>
+      </p:sp>
+      <p:sp>
+        <p:nvSpPr>
           <p:cNvPr id="4" name="Footer Placeholder 3"/>
           <p:cNvSpPr>
             <a:spLocks noGrp="1"/>
@@ -1250,7 +1335,7 @@
             <a:fld id="{B4008EB6-D09E-4580-8CD6-DDB14511944F}" type="slidenum">
               <a:rPr lang="en-US" smtClean="0"/>
               <a:pPr/>
-              <a:t>9</a:t>
+              <a:t>10</a:t>
             </a:fld>
             <a:endParaRPr lang="en-US"/>
           </a:p>
@@ -4754,7 +4839,7 @@
 </p:sld>
 </file>
 
-<file path=ppt/slides/slide2.xml><?xml version="1.0" encoding="utf-8"?>
+<file path=ppt/slides/slide10.xml><?xml version="1.0" encoding="utf-8"?>
 <p:sld xmlns:a="http://schemas.openxmlformats.org/drawingml/2006/main" xmlns:r="http://schemas.openxmlformats.org/officeDocument/2006/relationships" xmlns:p="http://schemas.openxmlformats.org/presentationml/2006/main">
   <p:cSld>
     <p:spTree>
@@ -4773,1542 +4858,6 @@
       </p:grpSpPr>
       <p:sp>
         <p:nvSpPr>
-          <p:cNvPr id="2" name="Title 1">
-            <a:extLst>
-              <a:ext uri="{FF2B5EF4-FFF2-40B4-BE49-F238E27FC236}">
-                <a16:creationId xmlns:a16="http://schemas.microsoft.com/office/drawing/2014/main" id="{11BE9CB1-9A17-7C4F-8511-54A8454086BA}"/>
-              </a:ext>
-            </a:extLst>
-          </p:cNvPr>
-          <p:cNvSpPr>
-            <a:spLocks noGrp="1"/>
-          </p:cNvSpPr>
-          <p:nvPr>
-            <p:ph type="title"/>
-          </p:nvPr>
-        </p:nvSpPr>
-        <p:spPr>
-          <a:xfrm>
-            <a:off x="224742" y="365125"/>
-            <a:ext cx="10515600" cy="1325563"/>
-          </a:xfrm>
-        </p:spPr>
-        <p:txBody>
-          <a:bodyPr>
-            <a:normAutofit/>
-          </a:bodyPr>
-          <a:lstStyle/>
-          <a:p>
-            <a:r>
-              <a:rPr lang="es-ES_tradnl" b="1" dirty="0"/>
-              <a:t>La vida antes del </a:t>
-            </a:r>
-            <a:r>
-              <a:rPr lang="es-ES_tradnl" b="1" dirty="0" err="1"/>
-              <a:t>SwipeView</a:t>
-            </a:r>
-            <a:r>
-              <a:rPr lang="es-ES_tradnl" b="1" dirty="0"/>
-              <a:t>…</a:t>
-            </a:r>
-          </a:p>
-        </p:txBody>
-      </p:sp>
-      <p:sp>
-        <p:nvSpPr>
-          <p:cNvPr id="3" name="Content Placeholder 2">
-            <a:extLst>
-              <a:ext uri="{FF2B5EF4-FFF2-40B4-BE49-F238E27FC236}">
-                <a16:creationId xmlns:a16="http://schemas.microsoft.com/office/drawing/2014/main" id="{E65845F8-C3DD-0744-AC43-72EAB0E99A27}"/>
-              </a:ext>
-            </a:extLst>
-          </p:cNvPr>
-          <p:cNvSpPr>
-            <a:spLocks noGrp="1"/>
-          </p:cNvSpPr>
-          <p:nvPr>
-            <p:ph idx="1"/>
-          </p:nvPr>
-        </p:nvSpPr>
-        <p:spPr>
-          <a:xfrm>
-            <a:off x="224742" y="1524684"/>
-            <a:ext cx="10515600" cy="4351338"/>
-          </a:xfrm>
-        </p:spPr>
-        <p:txBody>
-          <a:bodyPr/>
-          <a:lstStyle/>
-          <a:p>
-            <a:r>
-              <a:rPr lang="es-ES_tradnl" dirty="0" err="1"/>
-              <a:t>Custom</a:t>
-            </a:r>
-            <a:r>
-              <a:rPr lang="es-ES_tradnl" dirty="0"/>
-              <a:t> </a:t>
-            </a:r>
-            <a:r>
-              <a:rPr lang="es-ES_tradnl" dirty="0" err="1"/>
-              <a:t>Renderers</a:t>
-            </a:r>
-            <a:r>
-              <a:rPr lang="es-ES_tradnl" dirty="0"/>
-              <a:t> 😭 😭</a:t>
-            </a:r>
-          </a:p>
-          <a:p>
-            <a:r>
-              <a:rPr lang="es-ES_tradnl" dirty="0"/>
-              <a:t>Gestos nativos 🥶🥶</a:t>
-            </a:r>
-          </a:p>
-          <a:p>
-            <a:r>
-              <a:rPr lang="es-ES_tradnl" dirty="0"/>
-              <a:t>Implementación a nivel de celda 😤 😤</a:t>
-            </a:r>
-          </a:p>
-          <a:p>
-            <a:r>
-              <a:rPr lang="es-ES_tradnl" dirty="0"/>
-              <a:t>Sin soporte para </a:t>
-            </a:r>
-            <a:r>
-              <a:rPr lang="es-ES_tradnl" dirty="0" err="1"/>
-              <a:t>CollectionView</a:t>
-            </a:r>
-            <a:r>
-              <a:rPr lang="es-ES_tradnl" dirty="0"/>
-              <a:t> 🤬🤬</a:t>
-            </a:r>
-          </a:p>
-        </p:txBody>
-      </p:sp>
-      <p:sp>
-        <p:nvSpPr>
-          <p:cNvPr id="4" name="Rectangle 3">
-            <a:extLst>
-              <a:ext uri="{FF2B5EF4-FFF2-40B4-BE49-F238E27FC236}">
-                <a16:creationId xmlns:a16="http://schemas.microsoft.com/office/drawing/2014/main" id="{FD504B0F-072D-474B-945F-FDA4BE33FE88}"/>
-              </a:ext>
-            </a:extLst>
-          </p:cNvPr>
-          <p:cNvSpPr/>
-          <p:nvPr/>
-        </p:nvSpPr>
-        <p:spPr>
-          <a:xfrm>
-            <a:off x="0" y="6446836"/>
-            <a:ext cx="12192000" cy="428525"/>
-          </a:xfrm>
-          <a:prstGeom prst="rect">
-            <a:avLst/>
-          </a:prstGeom>
-          <a:solidFill>
-            <a:srgbClr val="474E5C"/>
-          </a:solidFill>
-          <a:ln>
-            <a:noFill/>
-          </a:ln>
-        </p:spPr>
-        <p:style>
-          <a:lnRef idx="2">
-            <a:schemeClr val="accent1">
-              <a:shade val="50000"/>
-            </a:schemeClr>
-          </a:lnRef>
-          <a:fillRef idx="1">
-            <a:schemeClr val="accent1"/>
-          </a:fillRef>
-          <a:effectRef idx="0">
-            <a:schemeClr val="accent1"/>
-          </a:effectRef>
-          <a:fontRef idx="minor">
-            <a:schemeClr val="lt1"/>
-          </a:fontRef>
-        </p:style>
-        <p:txBody>
-          <a:bodyPr rtlCol="0" anchor="ctr"/>
-          <a:lstStyle/>
-          <a:p>
-            <a:pPr algn="ctr"/>
-            <a:endParaRPr lang="en-US"/>
-          </a:p>
-        </p:txBody>
-      </p:sp>
-      <p:sp>
-        <p:nvSpPr>
-          <p:cNvPr id="5" name="Rectangle 4">
-            <a:extLst>
-              <a:ext uri="{FF2B5EF4-FFF2-40B4-BE49-F238E27FC236}">
-                <a16:creationId xmlns:a16="http://schemas.microsoft.com/office/drawing/2014/main" id="{1AF87483-2E1B-6B42-AAB0-26D82FDEF1C7}"/>
-              </a:ext>
-            </a:extLst>
-          </p:cNvPr>
-          <p:cNvSpPr/>
-          <p:nvPr/>
-        </p:nvSpPr>
-        <p:spPr>
-          <a:xfrm rot="5400000">
-            <a:off x="8549833" y="3233194"/>
-            <a:ext cx="6875361" cy="408972"/>
-          </a:xfrm>
-          <a:prstGeom prst="rect">
-            <a:avLst/>
-          </a:prstGeom>
-          <a:solidFill>
-            <a:srgbClr val="59BBBA"/>
-          </a:solidFill>
-          <a:ln>
-            <a:noFill/>
-          </a:ln>
-        </p:spPr>
-        <p:style>
-          <a:lnRef idx="2">
-            <a:schemeClr val="accent1">
-              <a:shade val="50000"/>
-            </a:schemeClr>
-          </a:lnRef>
-          <a:fillRef idx="1">
-            <a:schemeClr val="accent1"/>
-          </a:fillRef>
-          <a:effectRef idx="0">
-            <a:schemeClr val="accent1"/>
-          </a:effectRef>
-          <a:fontRef idx="minor">
-            <a:schemeClr val="lt1"/>
-          </a:fontRef>
-        </p:style>
-        <p:txBody>
-          <a:bodyPr rtlCol="0" anchor="ctr"/>
-          <a:lstStyle/>
-          <a:p>
-            <a:pPr algn="ctr"/>
-            <a:endParaRPr lang="en-US"/>
-          </a:p>
-        </p:txBody>
-      </p:sp>
-    </p:spTree>
-    <p:extLst>
-      <p:ext uri="{BB962C8B-B14F-4D97-AF65-F5344CB8AC3E}">
-        <p14:creationId xmlns:p14="http://schemas.microsoft.com/office/powerpoint/2010/main" val="1634517408"/>
-      </p:ext>
-    </p:extLst>
-  </p:cSld>
-  <p:clrMapOvr>
-    <a:masterClrMapping/>
-  </p:clrMapOvr>
-  <p:transition spd="slow">
-    <p:push dir="u"/>
-  </p:transition>
-</p:sld>
-</file>
-
-<file path=ppt/slides/slide3.xml><?xml version="1.0" encoding="utf-8"?>
-<p:sld xmlns:a="http://schemas.openxmlformats.org/drawingml/2006/main" xmlns:r="http://schemas.openxmlformats.org/officeDocument/2006/relationships" xmlns:p="http://schemas.openxmlformats.org/presentationml/2006/main">
-  <p:cSld>
-    <p:spTree>
-      <p:nvGrpSpPr>
-        <p:cNvPr id="1" name=""/>
-        <p:cNvGrpSpPr/>
-        <p:nvPr/>
-      </p:nvGrpSpPr>
-      <p:grpSpPr>
-        <a:xfrm>
-          <a:off x="0" y="0"/>
-          <a:ext cx="0" cy="0"/>
-          <a:chOff x="0" y="0"/>
-          <a:chExt cx="0" cy="0"/>
-        </a:xfrm>
-      </p:grpSpPr>
-      <p:sp>
-        <p:nvSpPr>
-          <p:cNvPr id="2" name="Title 1">
-            <a:extLst>
-              <a:ext uri="{FF2B5EF4-FFF2-40B4-BE49-F238E27FC236}">
-                <a16:creationId xmlns:a16="http://schemas.microsoft.com/office/drawing/2014/main" id="{11BE9CB1-9A17-7C4F-8511-54A8454086BA}"/>
-              </a:ext>
-            </a:extLst>
-          </p:cNvPr>
-          <p:cNvSpPr>
-            <a:spLocks noGrp="1"/>
-          </p:cNvSpPr>
-          <p:nvPr>
-            <p:ph type="title"/>
-          </p:nvPr>
-        </p:nvSpPr>
-        <p:spPr>
-          <a:xfrm>
-            <a:off x="224742" y="365125"/>
-            <a:ext cx="10515600" cy="1325563"/>
-          </a:xfrm>
-        </p:spPr>
-        <p:txBody>
-          <a:bodyPr>
-            <a:normAutofit/>
-          </a:bodyPr>
-          <a:lstStyle/>
-          <a:p>
-            <a:r>
-              <a:rPr lang="es-ES_tradnl" b="1" dirty="0"/>
-              <a:t>Iniciando con </a:t>
-            </a:r>
-            <a:r>
-              <a:rPr lang="es-ES_tradnl" b="1" dirty="0" err="1"/>
-              <a:t>SwipeView</a:t>
-            </a:r>
-            <a:r>
-              <a:rPr lang="es-ES_tradnl" b="1" dirty="0"/>
-              <a:t>…</a:t>
-            </a:r>
-          </a:p>
-        </p:txBody>
-      </p:sp>
-      <p:sp>
-        <p:nvSpPr>
-          <p:cNvPr id="3" name="Content Placeholder 2">
-            <a:extLst>
-              <a:ext uri="{FF2B5EF4-FFF2-40B4-BE49-F238E27FC236}">
-                <a16:creationId xmlns:a16="http://schemas.microsoft.com/office/drawing/2014/main" id="{E65845F8-C3DD-0744-AC43-72EAB0E99A27}"/>
-              </a:ext>
-            </a:extLst>
-          </p:cNvPr>
-          <p:cNvSpPr>
-            <a:spLocks noGrp="1"/>
-          </p:cNvSpPr>
-          <p:nvPr>
-            <p:ph idx="1"/>
-          </p:nvPr>
-        </p:nvSpPr>
-        <p:spPr>
-          <a:xfrm>
-            <a:off x="224742" y="1524684"/>
-            <a:ext cx="10515600" cy="4351338"/>
-          </a:xfrm>
-        </p:spPr>
-        <p:txBody>
-          <a:bodyPr/>
-          <a:lstStyle/>
-          <a:p>
-            <a:r>
-              <a:rPr lang="es-ES_tradnl" dirty="0"/>
-              <a:t>Se requiere al menos la versión 4.4 de </a:t>
-            </a:r>
-            <a:r>
-              <a:rPr lang="es-ES_tradnl" dirty="0" err="1"/>
-              <a:t>Xamarin.Forms</a:t>
-            </a:r>
-            <a:endParaRPr lang="es-ES_tradnl" dirty="0"/>
-          </a:p>
-          <a:p>
-            <a:r>
-              <a:rPr lang="es-ES_tradnl" dirty="0"/>
-              <a:t>Aun se encuentra en </a:t>
-            </a:r>
-            <a:r>
-              <a:rPr lang="es-ES_tradnl" dirty="0" err="1"/>
-              <a:t>preview</a:t>
-            </a:r>
-            <a:r>
-              <a:rPr lang="es-ES_tradnl" dirty="0"/>
-              <a:t> por lo que se requiere habilitar el </a:t>
-            </a:r>
-            <a:r>
-              <a:rPr lang="es-ES_tradnl" dirty="0" err="1"/>
-              <a:t>flag</a:t>
-            </a:r>
-            <a:r>
-              <a:rPr lang="es-ES_tradnl" dirty="0"/>
-              <a:t> “</a:t>
-            </a:r>
-            <a:r>
-              <a:rPr lang="es-ES_tradnl" dirty="0" err="1"/>
-              <a:t>SwipeView_Experimental</a:t>
-            </a:r>
-            <a:r>
-              <a:rPr lang="es-ES_tradnl" dirty="0"/>
-              <a:t>”</a:t>
-            </a:r>
-          </a:p>
-          <a:p>
-            <a:r>
-              <a:rPr lang="es-ES_tradnl" dirty="0"/>
-              <a:t>Funciona perfectamente en todas las direcciones (derecha, izquierda, arriba y abajo)</a:t>
-            </a:r>
-          </a:p>
-          <a:p>
-            <a:r>
-              <a:rPr lang="es-ES_tradnl" dirty="0"/>
-              <a:t>Contiene una implementación básica que puede ser extendida</a:t>
-            </a:r>
-          </a:p>
-          <a:p>
-            <a:r>
-              <a:rPr lang="es-ES_tradnl" dirty="0"/>
-              <a:t>Diferentes modos</a:t>
-            </a:r>
-          </a:p>
-          <a:p>
-            <a:r>
-              <a:rPr lang="es-ES_tradnl" dirty="0"/>
-              <a:t>Eventos para detectar el estado (inicio, movimiento y finalizado)</a:t>
-            </a:r>
-          </a:p>
-          <a:p>
-            <a:pPr marL="0" indent="0">
-              <a:buNone/>
-            </a:pPr>
-            <a:endParaRPr lang="es-ES_tradnl" dirty="0"/>
-          </a:p>
-        </p:txBody>
-      </p:sp>
-      <p:sp>
-        <p:nvSpPr>
-          <p:cNvPr id="4" name="Rectangle 3">
-            <a:extLst>
-              <a:ext uri="{FF2B5EF4-FFF2-40B4-BE49-F238E27FC236}">
-                <a16:creationId xmlns:a16="http://schemas.microsoft.com/office/drawing/2014/main" id="{FD504B0F-072D-474B-945F-FDA4BE33FE88}"/>
-              </a:ext>
-            </a:extLst>
-          </p:cNvPr>
-          <p:cNvSpPr/>
-          <p:nvPr/>
-        </p:nvSpPr>
-        <p:spPr>
-          <a:xfrm>
-            <a:off x="0" y="6446836"/>
-            <a:ext cx="12192000" cy="428525"/>
-          </a:xfrm>
-          <a:prstGeom prst="rect">
-            <a:avLst/>
-          </a:prstGeom>
-          <a:solidFill>
-            <a:srgbClr val="474E5C"/>
-          </a:solidFill>
-          <a:ln>
-            <a:noFill/>
-          </a:ln>
-        </p:spPr>
-        <p:style>
-          <a:lnRef idx="2">
-            <a:schemeClr val="accent1">
-              <a:shade val="50000"/>
-            </a:schemeClr>
-          </a:lnRef>
-          <a:fillRef idx="1">
-            <a:schemeClr val="accent1"/>
-          </a:fillRef>
-          <a:effectRef idx="0">
-            <a:schemeClr val="accent1"/>
-          </a:effectRef>
-          <a:fontRef idx="minor">
-            <a:schemeClr val="lt1"/>
-          </a:fontRef>
-        </p:style>
-        <p:txBody>
-          <a:bodyPr rtlCol="0" anchor="ctr"/>
-          <a:lstStyle/>
-          <a:p>
-            <a:pPr algn="ctr"/>
-            <a:endParaRPr lang="en-US"/>
-          </a:p>
-        </p:txBody>
-      </p:sp>
-      <p:sp>
-        <p:nvSpPr>
-          <p:cNvPr id="5" name="Rectangle 4">
-            <a:extLst>
-              <a:ext uri="{FF2B5EF4-FFF2-40B4-BE49-F238E27FC236}">
-                <a16:creationId xmlns:a16="http://schemas.microsoft.com/office/drawing/2014/main" id="{1AF87483-2E1B-6B42-AAB0-26D82FDEF1C7}"/>
-              </a:ext>
-            </a:extLst>
-          </p:cNvPr>
-          <p:cNvSpPr/>
-          <p:nvPr/>
-        </p:nvSpPr>
-        <p:spPr>
-          <a:xfrm rot="5400000">
-            <a:off x="8549833" y="3233194"/>
-            <a:ext cx="6875361" cy="408972"/>
-          </a:xfrm>
-          <a:prstGeom prst="rect">
-            <a:avLst/>
-          </a:prstGeom>
-          <a:solidFill>
-            <a:srgbClr val="59BBBA"/>
-          </a:solidFill>
-          <a:ln>
-            <a:noFill/>
-          </a:ln>
-        </p:spPr>
-        <p:style>
-          <a:lnRef idx="2">
-            <a:schemeClr val="accent1">
-              <a:shade val="50000"/>
-            </a:schemeClr>
-          </a:lnRef>
-          <a:fillRef idx="1">
-            <a:schemeClr val="accent1"/>
-          </a:fillRef>
-          <a:effectRef idx="0">
-            <a:schemeClr val="accent1"/>
-          </a:effectRef>
-          <a:fontRef idx="minor">
-            <a:schemeClr val="lt1"/>
-          </a:fontRef>
-        </p:style>
-        <p:txBody>
-          <a:bodyPr rtlCol="0" anchor="ctr"/>
-          <a:lstStyle/>
-          <a:p>
-            <a:pPr algn="ctr"/>
-            <a:endParaRPr lang="en-US"/>
-          </a:p>
-        </p:txBody>
-      </p:sp>
-    </p:spTree>
-    <p:extLst>
-      <p:ext uri="{BB962C8B-B14F-4D97-AF65-F5344CB8AC3E}">
-        <p14:creationId xmlns:p14="http://schemas.microsoft.com/office/powerpoint/2010/main" val="4178787712"/>
-      </p:ext>
-    </p:extLst>
-  </p:cSld>
-  <p:clrMapOvr>
-    <a:masterClrMapping/>
-  </p:clrMapOvr>
-  <p:transition spd="slow">
-    <p:push dir="u"/>
-  </p:transition>
-</p:sld>
-</file>
-
-<file path=ppt/slides/slide4.xml><?xml version="1.0" encoding="utf-8"?>
-<p:sld xmlns:a="http://schemas.openxmlformats.org/drawingml/2006/main" xmlns:r="http://schemas.openxmlformats.org/officeDocument/2006/relationships" xmlns:p="http://schemas.openxmlformats.org/presentationml/2006/main">
-  <p:cSld>
-    <p:spTree>
-      <p:nvGrpSpPr>
-        <p:cNvPr id="1" name=""/>
-        <p:cNvGrpSpPr/>
-        <p:nvPr/>
-      </p:nvGrpSpPr>
-      <p:grpSpPr>
-        <a:xfrm>
-          <a:off x="0" y="0"/>
-          <a:ext cx="0" cy="0"/>
-          <a:chOff x="0" y="0"/>
-          <a:chExt cx="0" cy="0"/>
-        </a:xfrm>
-      </p:grpSpPr>
-      <p:sp>
-        <p:nvSpPr>
-          <p:cNvPr id="2" name="Title 1">
-            <a:extLst>
-              <a:ext uri="{FF2B5EF4-FFF2-40B4-BE49-F238E27FC236}">
-                <a16:creationId xmlns:a16="http://schemas.microsoft.com/office/drawing/2014/main" id="{11BE9CB1-9A17-7C4F-8511-54A8454086BA}"/>
-              </a:ext>
-            </a:extLst>
-          </p:cNvPr>
-          <p:cNvSpPr>
-            <a:spLocks noGrp="1"/>
-          </p:cNvSpPr>
-          <p:nvPr>
-            <p:ph type="title"/>
-          </p:nvPr>
-        </p:nvSpPr>
-        <p:spPr>
-          <a:xfrm>
-            <a:off x="224742" y="365125"/>
-            <a:ext cx="10515600" cy="1325563"/>
-          </a:xfrm>
-        </p:spPr>
-        <p:txBody>
-          <a:bodyPr>
-            <a:normAutofit/>
-          </a:bodyPr>
-          <a:lstStyle/>
-          <a:p>
-            <a:r>
-              <a:rPr lang="es-ES_tradnl" b="1" dirty="0"/>
-              <a:t>Definición del nuevo control</a:t>
-            </a:r>
-          </a:p>
-        </p:txBody>
-      </p:sp>
-      <p:sp>
-        <p:nvSpPr>
-          <p:cNvPr id="3" name="Content Placeholder 2">
-            <a:extLst>
-              <a:ext uri="{FF2B5EF4-FFF2-40B4-BE49-F238E27FC236}">
-                <a16:creationId xmlns:a16="http://schemas.microsoft.com/office/drawing/2014/main" id="{E65845F8-C3DD-0744-AC43-72EAB0E99A27}"/>
-              </a:ext>
-            </a:extLst>
-          </p:cNvPr>
-          <p:cNvSpPr>
-            <a:spLocks noGrp="1"/>
-          </p:cNvSpPr>
-          <p:nvPr>
-            <p:ph idx="1"/>
-          </p:nvPr>
-        </p:nvSpPr>
-        <p:spPr>
-          <a:xfrm>
-            <a:off x="224742" y="1524684"/>
-            <a:ext cx="10515600" cy="4351338"/>
-          </a:xfrm>
-        </p:spPr>
-        <p:txBody>
-          <a:bodyPr/>
-          <a:lstStyle/>
-          <a:p>
-            <a:r>
-              <a:rPr lang="es-ES_tradnl" dirty="0"/>
-              <a:t>Nombre de clase: </a:t>
-            </a:r>
-            <a:r>
-              <a:rPr lang="es-ES_tradnl" dirty="0" err="1"/>
-              <a:t>SwipeView</a:t>
-            </a:r>
-            <a:endParaRPr lang="es-ES_tradnl" dirty="0"/>
-          </a:p>
-          <a:p>
-            <a:r>
-              <a:rPr lang="es-ES_tradnl" dirty="0"/>
-              <a:t>Contiene 4 colecciones para definir los elementos a mostrar </a:t>
-            </a:r>
-            <a:r>
-              <a:rPr lang="es-ES_tradnl" dirty="0" err="1"/>
-              <a:t>LeftItems</a:t>
-            </a:r>
-            <a:r>
-              <a:rPr lang="es-ES_tradnl" dirty="0"/>
-              <a:t>, </a:t>
-            </a:r>
-            <a:r>
-              <a:rPr lang="es-ES_tradnl" dirty="0" err="1"/>
-              <a:t>RightItems</a:t>
-            </a:r>
-            <a:r>
-              <a:rPr lang="es-ES_tradnl" dirty="0"/>
-              <a:t>, </a:t>
-            </a:r>
-            <a:r>
-              <a:rPr lang="es-ES_tradnl" dirty="0" err="1"/>
-              <a:t>TopItems</a:t>
-            </a:r>
-            <a:r>
-              <a:rPr lang="es-ES_tradnl" dirty="0"/>
-              <a:t> y </a:t>
-            </a:r>
-            <a:r>
-              <a:rPr lang="es-ES_tradnl" dirty="0" err="1"/>
-              <a:t>BottomItems</a:t>
-            </a:r>
-            <a:endParaRPr lang="es-ES_tradnl" dirty="0"/>
-          </a:p>
-          <a:p>
-            <a:r>
-              <a:rPr lang="es-ES_tradnl" dirty="0"/>
-              <a:t>Cada colección </a:t>
-            </a:r>
-            <a:r>
-              <a:rPr lang="es-ES_tradnl" dirty="0" err="1"/>
-              <a:t>SwipeItems</a:t>
-            </a:r>
-            <a:r>
-              <a:rPr lang="es-ES_tradnl" dirty="0"/>
-              <a:t> puede contener uno o mas elementos de los tipos:</a:t>
-            </a:r>
-          </a:p>
-          <a:p>
-            <a:pPr lvl="1"/>
-            <a:r>
-              <a:rPr lang="es-ES_tradnl" dirty="0" err="1"/>
-              <a:t>SwipeItem</a:t>
-            </a:r>
-            <a:r>
-              <a:rPr lang="es-ES_tradnl" dirty="0"/>
-              <a:t>: implementación básica de un menú contextual con texto, imagen y color de fondo</a:t>
-            </a:r>
-          </a:p>
-          <a:p>
-            <a:pPr lvl="1"/>
-            <a:r>
-              <a:rPr lang="es-ES_tradnl" dirty="0" err="1"/>
-              <a:t>SwipeItemView</a:t>
-            </a:r>
-            <a:r>
-              <a:rPr lang="es-ES_tradnl" dirty="0"/>
-              <a:t>: permite generar una implementación personalizada</a:t>
-            </a:r>
-          </a:p>
-          <a:p>
-            <a:pPr lvl="1"/>
-            <a:endParaRPr lang="es-ES_tradnl" dirty="0"/>
-          </a:p>
-          <a:p>
-            <a:pPr marL="0" indent="0">
-              <a:buNone/>
-            </a:pPr>
-            <a:endParaRPr lang="es-ES_tradnl" dirty="0"/>
-          </a:p>
-        </p:txBody>
-      </p:sp>
-      <p:sp>
-        <p:nvSpPr>
-          <p:cNvPr id="4" name="Rectangle 3">
-            <a:extLst>
-              <a:ext uri="{FF2B5EF4-FFF2-40B4-BE49-F238E27FC236}">
-                <a16:creationId xmlns:a16="http://schemas.microsoft.com/office/drawing/2014/main" id="{FD504B0F-072D-474B-945F-FDA4BE33FE88}"/>
-              </a:ext>
-            </a:extLst>
-          </p:cNvPr>
-          <p:cNvSpPr/>
-          <p:nvPr/>
-        </p:nvSpPr>
-        <p:spPr>
-          <a:xfrm>
-            <a:off x="0" y="6446836"/>
-            <a:ext cx="12192000" cy="428525"/>
-          </a:xfrm>
-          <a:prstGeom prst="rect">
-            <a:avLst/>
-          </a:prstGeom>
-          <a:solidFill>
-            <a:srgbClr val="474E5C"/>
-          </a:solidFill>
-          <a:ln>
-            <a:noFill/>
-          </a:ln>
-        </p:spPr>
-        <p:style>
-          <a:lnRef idx="2">
-            <a:schemeClr val="accent1">
-              <a:shade val="50000"/>
-            </a:schemeClr>
-          </a:lnRef>
-          <a:fillRef idx="1">
-            <a:schemeClr val="accent1"/>
-          </a:fillRef>
-          <a:effectRef idx="0">
-            <a:schemeClr val="accent1"/>
-          </a:effectRef>
-          <a:fontRef idx="minor">
-            <a:schemeClr val="lt1"/>
-          </a:fontRef>
-        </p:style>
-        <p:txBody>
-          <a:bodyPr rtlCol="0" anchor="ctr"/>
-          <a:lstStyle/>
-          <a:p>
-            <a:pPr algn="ctr"/>
-            <a:endParaRPr lang="en-US"/>
-          </a:p>
-        </p:txBody>
-      </p:sp>
-      <p:sp>
-        <p:nvSpPr>
-          <p:cNvPr id="5" name="Rectangle 4">
-            <a:extLst>
-              <a:ext uri="{FF2B5EF4-FFF2-40B4-BE49-F238E27FC236}">
-                <a16:creationId xmlns:a16="http://schemas.microsoft.com/office/drawing/2014/main" id="{1AF87483-2E1B-6B42-AAB0-26D82FDEF1C7}"/>
-              </a:ext>
-            </a:extLst>
-          </p:cNvPr>
-          <p:cNvSpPr/>
-          <p:nvPr/>
-        </p:nvSpPr>
-        <p:spPr>
-          <a:xfrm rot="5400000">
-            <a:off x="8549833" y="3233194"/>
-            <a:ext cx="6875361" cy="408972"/>
-          </a:xfrm>
-          <a:prstGeom prst="rect">
-            <a:avLst/>
-          </a:prstGeom>
-          <a:solidFill>
-            <a:srgbClr val="59BBBA"/>
-          </a:solidFill>
-          <a:ln>
-            <a:noFill/>
-          </a:ln>
-        </p:spPr>
-        <p:style>
-          <a:lnRef idx="2">
-            <a:schemeClr val="accent1">
-              <a:shade val="50000"/>
-            </a:schemeClr>
-          </a:lnRef>
-          <a:fillRef idx="1">
-            <a:schemeClr val="accent1"/>
-          </a:fillRef>
-          <a:effectRef idx="0">
-            <a:schemeClr val="accent1"/>
-          </a:effectRef>
-          <a:fontRef idx="minor">
-            <a:schemeClr val="lt1"/>
-          </a:fontRef>
-        </p:style>
-        <p:txBody>
-          <a:bodyPr rtlCol="0" anchor="ctr"/>
-          <a:lstStyle/>
-          <a:p>
-            <a:pPr algn="ctr"/>
-            <a:endParaRPr lang="en-US"/>
-          </a:p>
-        </p:txBody>
-      </p:sp>
-    </p:spTree>
-    <p:extLst>
-      <p:ext uri="{BB962C8B-B14F-4D97-AF65-F5344CB8AC3E}">
-        <p14:creationId xmlns:p14="http://schemas.microsoft.com/office/powerpoint/2010/main" val="112301293"/>
-      </p:ext>
-    </p:extLst>
-  </p:cSld>
-  <p:clrMapOvr>
-    <a:masterClrMapping/>
-  </p:clrMapOvr>
-  <p:transition spd="slow">
-    <p:push dir="u"/>
-  </p:transition>
-</p:sld>
-</file>
-
-<file path=ppt/slides/slide5.xml><?xml version="1.0" encoding="utf-8"?>
-<p:sld xmlns:a="http://schemas.openxmlformats.org/drawingml/2006/main" xmlns:r="http://schemas.openxmlformats.org/officeDocument/2006/relationships" xmlns:p="http://schemas.openxmlformats.org/presentationml/2006/main">
-  <p:cSld>
-    <p:spTree>
-      <p:nvGrpSpPr>
-        <p:cNvPr id="1" name=""/>
-        <p:cNvGrpSpPr/>
-        <p:nvPr/>
-      </p:nvGrpSpPr>
-      <p:grpSpPr>
-        <a:xfrm>
-          <a:off x="0" y="0"/>
-          <a:ext cx="0" cy="0"/>
-          <a:chOff x="0" y="0"/>
-          <a:chExt cx="0" cy="0"/>
-        </a:xfrm>
-      </p:grpSpPr>
-      <p:sp>
-        <p:nvSpPr>
-          <p:cNvPr id="4" name="Rectangle 3">
-            <a:extLst>
-              <a:ext uri="{FF2B5EF4-FFF2-40B4-BE49-F238E27FC236}">
-                <a16:creationId xmlns:a16="http://schemas.microsoft.com/office/drawing/2014/main" id="{FD504B0F-072D-474B-945F-FDA4BE33FE88}"/>
-              </a:ext>
-            </a:extLst>
-          </p:cNvPr>
-          <p:cNvSpPr/>
-          <p:nvPr/>
-        </p:nvSpPr>
-        <p:spPr>
-          <a:xfrm>
-            <a:off x="0" y="6446836"/>
-            <a:ext cx="12192000" cy="428525"/>
-          </a:xfrm>
-          <a:prstGeom prst="rect">
-            <a:avLst/>
-          </a:prstGeom>
-          <a:solidFill>
-            <a:srgbClr val="474E5C"/>
-          </a:solidFill>
-          <a:ln>
-            <a:noFill/>
-          </a:ln>
-        </p:spPr>
-        <p:style>
-          <a:lnRef idx="2">
-            <a:schemeClr val="accent1">
-              <a:shade val="50000"/>
-            </a:schemeClr>
-          </a:lnRef>
-          <a:fillRef idx="1">
-            <a:schemeClr val="accent1"/>
-          </a:fillRef>
-          <a:effectRef idx="0">
-            <a:schemeClr val="accent1"/>
-          </a:effectRef>
-          <a:fontRef idx="minor">
-            <a:schemeClr val="lt1"/>
-          </a:fontRef>
-        </p:style>
-        <p:txBody>
-          <a:bodyPr rtlCol="0" anchor="ctr"/>
-          <a:lstStyle/>
-          <a:p>
-            <a:pPr algn="ctr"/>
-            <a:endParaRPr lang="en-US"/>
-          </a:p>
-        </p:txBody>
-      </p:sp>
-      <p:sp>
-        <p:nvSpPr>
-          <p:cNvPr id="5" name="Rectangle 4">
-            <a:extLst>
-              <a:ext uri="{FF2B5EF4-FFF2-40B4-BE49-F238E27FC236}">
-                <a16:creationId xmlns:a16="http://schemas.microsoft.com/office/drawing/2014/main" id="{1AF87483-2E1B-6B42-AAB0-26D82FDEF1C7}"/>
-              </a:ext>
-            </a:extLst>
-          </p:cNvPr>
-          <p:cNvSpPr/>
-          <p:nvPr/>
-        </p:nvSpPr>
-        <p:spPr>
-          <a:xfrm rot="5400000">
-            <a:off x="8549833" y="3233194"/>
-            <a:ext cx="6875361" cy="408972"/>
-          </a:xfrm>
-          <a:prstGeom prst="rect">
-            <a:avLst/>
-          </a:prstGeom>
-          <a:solidFill>
-            <a:srgbClr val="59BBBA"/>
-          </a:solidFill>
-          <a:ln>
-            <a:noFill/>
-          </a:ln>
-        </p:spPr>
-        <p:style>
-          <a:lnRef idx="2">
-            <a:schemeClr val="accent1">
-              <a:shade val="50000"/>
-            </a:schemeClr>
-          </a:lnRef>
-          <a:fillRef idx="1">
-            <a:schemeClr val="accent1"/>
-          </a:fillRef>
-          <a:effectRef idx="0">
-            <a:schemeClr val="accent1"/>
-          </a:effectRef>
-          <a:fontRef idx="minor">
-            <a:schemeClr val="lt1"/>
-          </a:fontRef>
-        </p:style>
-        <p:txBody>
-          <a:bodyPr rtlCol="0" anchor="ctr"/>
-          <a:lstStyle/>
-          <a:p>
-            <a:pPr algn="ctr"/>
-            <a:endParaRPr lang="en-US"/>
-          </a:p>
-        </p:txBody>
-      </p:sp>
-      <p:pic>
-        <p:nvPicPr>
-          <p:cNvPr id="11" name="Picture 10">
-            <a:extLst>
-              <a:ext uri="{FF2B5EF4-FFF2-40B4-BE49-F238E27FC236}">
-                <a16:creationId xmlns:a16="http://schemas.microsoft.com/office/drawing/2014/main" id="{B9ECEFB5-3A87-A54C-89E3-0C3FC4E9B366}"/>
-              </a:ext>
-            </a:extLst>
-          </p:cNvPr>
-          <p:cNvPicPr>
-            <a:picLocks noChangeAspect="1"/>
-          </p:cNvPicPr>
-          <p:nvPr/>
-        </p:nvPicPr>
-        <p:blipFill>
-          <a:blip r:embed="rId3"/>
-          <a:stretch>
-            <a:fillRect/>
-          </a:stretch>
-        </p:blipFill>
-        <p:spPr>
-          <a:xfrm>
-            <a:off x="2278734" y="769316"/>
-            <a:ext cx="6938794" cy="5319367"/>
-          </a:xfrm>
-          <a:prstGeom prst="rect">
-            <a:avLst/>
-          </a:prstGeom>
-        </p:spPr>
-      </p:pic>
-    </p:spTree>
-    <p:extLst>
-      <p:ext uri="{BB962C8B-B14F-4D97-AF65-F5344CB8AC3E}">
-        <p14:creationId xmlns:p14="http://schemas.microsoft.com/office/powerpoint/2010/main" val="2615829708"/>
-      </p:ext>
-    </p:extLst>
-  </p:cSld>
-  <p:clrMapOvr>
-    <a:masterClrMapping/>
-  </p:clrMapOvr>
-  <p:transition spd="slow">
-    <p:push dir="u"/>
-  </p:transition>
-</p:sld>
-</file>
-
-<file path=ppt/slides/slide6.xml><?xml version="1.0" encoding="utf-8"?>
-<p:sld xmlns:a="http://schemas.openxmlformats.org/drawingml/2006/main" xmlns:r="http://schemas.openxmlformats.org/officeDocument/2006/relationships" xmlns:p="http://schemas.openxmlformats.org/presentationml/2006/main">
-  <p:cSld>
-    <p:spTree>
-      <p:nvGrpSpPr>
-        <p:cNvPr id="1" name=""/>
-        <p:cNvGrpSpPr/>
-        <p:nvPr/>
-      </p:nvGrpSpPr>
-      <p:grpSpPr>
-        <a:xfrm>
-          <a:off x="0" y="0"/>
-          <a:ext cx="0" cy="0"/>
-          <a:chOff x="0" y="0"/>
-          <a:chExt cx="0" cy="0"/>
-        </a:xfrm>
-      </p:grpSpPr>
-      <p:sp>
-        <p:nvSpPr>
-          <p:cNvPr id="2" name="Title 1">
-            <a:extLst>
-              <a:ext uri="{FF2B5EF4-FFF2-40B4-BE49-F238E27FC236}">
-                <a16:creationId xmlns:a16="http://schemas.microsoft.com/office/drawing/2014/main" id="{11BE9CB1-9A17-7C4F-8511-54A8454086BA}"/>
-              </a:ext>
-            </a:extLst>
-          </p:cNvPr>
-          <p:cNvSpPr>
-            <a:spLocks noGrp="1"/>
-          </p:cNvSpPr>
-          <p:nvPr>
-            <p:ph type="title"/>
-          </p:nvPr>
-        </p:nvSpPr>
-        <p:spPr>
-          <a:xfrm>
-            <a:off x="224742" y="365125"/>
-            <a:ext cx="10515600" cy="1325563"/>
-          </a:xfrm>
-        </p:spPr>
-        <p:txBody>
-          <a:bodyPr>
-            <a:normAutofit/>
-          </a:bodyPr>
-          <a:lstStyle/>
-          <a:p>
-            <a:r>
-              <a:rPr lang="es-ES_tradnl" b="1" dirty="0"/>
-              <a:t>Diferentes modos y comportamientos en modo “</a:t>
-            </a:r>
-            <a:r>
-              <a:rPr lang="es-ES_tradnl" b="1" dirty="0" err="1"/>
-              <a:t>Reveal</a:t>
-            </a:r>
-            <a:r>
-              <a:rPr lang="es-ES_tradnl" b="1" dirty="0"/>
-              <a:t>”</a:t>
-            </a:r>
-          </a:p>
-        </p:txBody>
-      </p:sp>
-      <p:sp>
-        <p:nvSpPr>
-          <p:cNvPr id="3" name="Content Placeholder 2">
-            <a:extLst>
-              <a:ext uri="{FF2B5EF4-FFF2-40B4-BE49-F238E27FC236}">
-                <a16:creationId xmlns:a16="http://schemas.microsoft.com/office/drawing/2014/main" id="{E65845F8-C3DD-0744-AC43-72EAB0E99A27}"/>
-              </a:ext>
-            </a:extLst>
-          </p:cNvPr>
-          <p:cNvSpPr>
-            <a:spLocks noGrp="1"/>
-          </p:cNvSpPr>
-          <p:nvPr>
-            <p:ph idx="1"/>
-          </p:nvPr>
-        </p:nvSpPr>
-        <p:spPr>
-          <a:xfrm>
-            <a:off x="224742" y="2136912"/>
-            <a:ext cx="10515600" cy="3739109"/>
-          </a:xfrm>
-        </p:spPr>
-        <p:txBody>
-          <a:bodyPr/>
-          <a:lstStyle/>
-          <a:p>
-            <a:pPr lvl="1"/>
-            <a:r>
-              <a:rPr lang="es-ES_tradnl" dirty="0"/>
-              <a:t>Modo “</a:t>
-            </a:r>
-            <a:r>
-              <a:rPr lang="es-ES_tradnl" dirty="0" err="1"/>
-              <a:t>Execute</a:t>
-            </a:r>
-            <a:r>
-              <a:rPr lang="es-ES_tradnl" dirty="0"/>
-              <a:t>”:</a:t>
-            </a:r>
-          </a:p>
-          <a:p>
-            <a:pPr lvl="2"/>
-            <a:r>
-              <a:rPr lang="es-ES_tradnl" dirty="0"/>
-              <a:t>La acción del elemento se ejecutara al realizar el gesto de deslice.</a:t>
-            </a:r>
-          </a:p>
-          <a:p>
-            <a:pPr lvl="1"/>
-            <a:r>
-              <a:rPr lang="es-ES_tradnl" dirty="0"/>
-              <a:t>Modo “</a:t>
-            </a:r>
-            <a:r>
-              <a:rPr lang="es-ES_tradnl" dirty="0" err="1"/>
-              <a:t>Reveal</a:t>
-            </a:r>
-            <a:r>
-              <a:rPr lang="es-ES_tradnl" dirty="0"/>
-              <a:t>”:</a:t>
-            </a:r>
-          </a:p>
-          <a:p>
-            <a:pPr lvl="2"/>
-            <a:r>
-              <a:rPr lang="es-ES_tradnl" dirty="0"/>
-              <a:t>Las acciones serán mostradas para que el usuario pueda interactuar con ellas.</a:t>
-            </a:r>
-          </a:p>
-          <a:p>
-            <a:pPr lvl="2"/>
-            <a:r>
-              <a:rPr lang="es-ES_tradnl" dirty="0"/>
-              <a:t>Comportamientos:</a:t>
-            </a:r>
-          </a:p>
-          <a:p>
-            <a:pPr lvl="3"/>
-            <a:r>
-              <a:rPr lang="es-ES_tradnl" dirty="0" err="1"/>
-              <a:t>Close</a:t>
-            </a:r>
-            <a:r>
-              <a:rPr lang="es-ES_tradnl" dirty="0"/>
-              <a:t>(Default): al realizar una acción el </a:t>
-            </a:r>
-          </a:p>
-          <a:p>
-            <a:pPr lvl="3"/>
-            <a:r>
-              <a:rPr lang="en-US" dirty="0" err="1"/>
-              <a:t>RemainOpen</a:t>
-            </a:r>
-            <a:r>
-              <a:rPr lang="en-US" dirty="0"/>
-              <a:t>: Se </a:t>
-            </a:r>
-            <a:r>
-              <a:rPr lang="en-US" dirty="0" err="1"/>
-              <a:t>mantendra</a:t>
-            </a:r>
-            <a:r>
-              <a:rPr lang="en-US" dirty="0"/>
-              <a:t> visible </a:t>
-            </a:r>
-            <a:r>
-              <a:rPr lang="en-US" dirty="0" err="1"/>
-              <a:t>incluso</a:t>
-            </a:r>
-            <a:r>
-              <a:rPr lang="en-US" dirty="0"/>
-              <a:t> </a:t>
-            </a:r>
-            <a:r>
-              <a:rPr lang="en-US" dirty="0" err="1"/>
-              <a:t>despues</a:t>
-            </a:r>
-            <a:r>
-              <a:rPr lang="en-US" dirty="0"/>
-              <a:t> de </a:t>
-            </a:r>
-            <a:r>
-              <a:rPr lang="en-US" dirty="0" err="1"/>
-              <a:t>darle</a:t>
-            </a:r>
-            <a:r>
-              <a:rPr lang="en-US" dirty="0"/>
-              <a:t> click a un </a:t>
-            </a:r>
-            <a:r>
-              <a:rPr lang="en-US" dirty="0" err="1"/>
-              <a:t>elemento</a:t>
-            </a:r>
-            <a:endParaRPr lang="es-ES_tradnl" dirty="0"/>
-          </a:p>
-        </p:txBody>
-      </p:sp>
-      <p:sp>
-        <p:nvSpPr>
-          <p:cNvPr id="4" name="Rectangle 3">
-            <a:extLst>
-              <a:ext uri="{FF2B5EF4-FFF2-40B4-BE49-F238E27FC236}">
-                <a16:creationId xmlns:a16="http://schemas.microsoft.com/office/drawing/2014/main" id="{FD504B0F-072D-474B-945F-FDA4BE33FE88}"/>
-              </a:ext>
-            </a:extLst>
-          </p:cNvPr>
-          <p:cNvSpPr/>
-          <p:nvPr/>
-        </p:nvSpPr>
-        <p:spPr>
-          <a:xfrm>
-            <a:off x="0" y="6446836"/>
-            <a:ext cx="12192000" cy="428525"/>
-          </a:xfrm>
-          <a:prstGeom prst="rect">
-            <a:avLst/>
-          </a:prstGeom>
-          <a:solidFill>
-            <a:srgbClr val="474E5C"/>
-          </a:solidFill>
-          <a:ln>
-            <a:noFill/>
-          </a:ln>
-        </p:spPr>
-        <p:style>
-          <a:lnRef idx="2">
-            <a:schemeClr val="accent1">
-              <a:shade val="50000"/>
-            </a:schemeClr>
-          </a:lnRef>
-          <a:fillRef idx="1">
-            <a:schemeClr val="accent1"/>
-          </a:fillRef>
-          <a:effectRef idx="0">
-            <a:schemeClr val="accent1"/>
-          </a:effectRef>
-          <a:fontRef idx="minor">
-            <a:schemeClr val="lt1"/>
-          </a:fontRef>
-        </p:style>
-        <p:txBody>
-          <a:bodyPr rtlCol="0" anchor="ctr"/>
-          <a:lstStyle/>
-          <a:p>
-            <a:pPr algn="ctr"/>
-            <a:endParaRPr lang="en-US"/>
-          </a:p>
-        </p:txBody>
-      </p:sp>
-      <p:sp>
-        <p:nvSpPr>
-          <p:cNvPr id="5" name="Rectangle 4">
-            <a:extLst>
-              <a:ext uri="{FF2B5EF4-FFF2-40B4-BE49-F238E27FC236}">
-                <a16:creationId xmlns:a16="http://schemas.microsoft.com/office/drawing/2014/main" id="{1AF87483-2E1B-6B42-AAB0-26D82FDEF1C7}"/>
-              </a:ext>
-            </a:extLst>
-          </p:cNvPr>
-          <p:cNvSpPr/>
-          <p:nvPr/>
-        </p:nvSpPr>
-        <p:spPr>
-          <a:xfrm rot="5400000">
-            <a:off x="8549833" y="3233194"/>
-            <a:ext cx="6875361" cy="408972"/>
-          </a:xfrm>
-          <a:prstGeom prst="rect">
-            <a:avLst/>
-          </a:prstGeom>
-          <a:solidFill>
-            <a:srgbClr val="59BBBA"/>
-          </a:solidFill>
-          <a:ln>
-            <a:noFill/>
-          </a:ln>
-        </p:spPr>
-        <p:style>
-          <a:lnRef idx="2">
-            <a:schemeClr val="accent1">
-              <a:shade val="50000"/>
-            </a:schemeClr>
-          </a:lnRef>
-          <a:fillRef idx="1">
-            <a:schemeClr val="accent1"/>
-          </a:fillRef>
-          <a:effectRef idx="0">
-            <a:schemeClr val="accent1"/>
-          </a:effectRef>
-          <a:fontRef idx="minor">
-            <a:schemeClr val="lt1"/>
-          </a:fontRef>
-        </p:style>
-        <p:txBody>
-          <a:bodyPr rtlCol="0" anchor="ctr"/>
-          <a:lstStyle/>
-          <a:p>
-            <a:pPr algn="ctr"/>
-            <a:endParaRPr lang="en-US"/>
-          </a:p>
-        </p:txBody>
-      </p:sp>
-    </p:spTree>
-    <p:extLst>
-      <p:ext uri="{BB962C8B-B14F-4D97-AF65-F5344CB8AC3E}">
-        <p14:creationId xmlns:p14="http://schemas.microsoft.com/office/powerpoint/2010/main" val="3689208118"/>
-      </p:ext>
-    </p:extLst>
-  </p:cSld>
-  <p:clrMapOvr>
-    <a:masterClrMapping/>
-  </p:clrMapOvr>
-  <p:transition spd="slow">
-    <p:push dir="u"/>
-  </p:transition>
-</p:sld>
-</file>
-
-<file path=ppt/slides/slide7.xml><?xml version="1.0" encoding="utf-8"?>
-<p:sld xmlns:a="http://schemas.openxmlformats.org/drawingml/2006/main" xmlns:r="http://schemas.openxmlformats.org/officeDocument/2006/relationships" xmlns:p="http://schemas.openxmlformats.org/presentationml/2006/main">
-  <p:cSld>
-    <p:spTree>
-      <p:nvGrpSpPr>
-        <p:cNvPr id="1" name=""/>
-        <p:cNvGrpSpPr/>
-        <p:nvPr/>
-      </p:nvGrpSpPr>
-      <p:grpSpPr>
-        <a:xfrm>
-          <a:off x="0" y="0"/>
-          <a:ext cx="0" cy="0"/>
-          <a:chOff x="0" y="0"/>
-          <a:chExt cx="0" cy="0"/>
-        </a:xfrm>
-      </p:grpSpPr>
-      <p:sp>
-        <p:nvSpPr>
-          <p:cNvPr id="2" name="Title 1">
-            <a:extLst>
-              <a:ext uri="{FF2B5EF4-FFF2-40B4-BE49-F238E27FC236}">
-                <a16:creationId xmlns:a16="http://schemas.microsoft.com/office/drawing/2014/main" id="{11BE9CB1-9A17-7C4F-8511-54A8454086BA}"/>
-              </a:ext>
-            </a:extLst>
-          </p:cNvPr>
-          <p:cNvSpPr>
-            <a:spLocks noGrp="1"/>
-          </p:cNvSpPr>
-          <p:nvPr>
-            <p:ph type="title"/>
-          </p:nvPr>
-        </p:nvSpPr>
-        <p:spPr>
-          <a:xfrm>
-            <a:off x="224742" y="365125"/>
-            <a:ext cx="10515600" cy="1325563"/>
-          </a:xfrm>
-        </p:spPr>
-        <p:txBody>
-          <a:bodyPr>
-            <a:normAutofit/>
-          </a:bodyPr>
-          <a:lstStyle/>
-          <a:p>
-            <a:r>
-              <a:rPr lang="es-ES_tradnl" b="1" dirty="0"/>
-              <a:t>Algo mas que acciones contextuales</a:t>
-            </a:r>
-          </a:p>
-        </p:txBody>
-      </p:sp>
-      <p:sp>
-        <p:nvSpPr>
-          <p:cNvPr id="4" name="Rectangle 3">
-            <a:extLst>
-              <a:ext uri="{FF2B5EF4-FFF2-40B4-BE49-F238E27FC236}">
-                <a16:creationId xmlns:a16="http://schemas.microsoft.com/office/drawing/2014/main" id="{FD504B0F-072D-474B-945F-FDA4BE33FE88}"/>
-              </a:ext>
-            </a:extLst>
-          </p:cNvPr>
-          <p:cNvSpPr/>
-          <p:nvPr/>
-        </p:nvSpPr>
-        <p:spPr>
-          <a:xfrm>
-            <a:off x="0" y="6446836"/>
-            <a:ext cx="12192000" cy="428525"/>
-          </a:xfrm>
-          <a:prstGeom prst="rect">
-            <a:avLst/>
-          </a:prstGeom>
-          <a:solidFill>
-            <a:srgbClr val="474E5C"/>
-          </a:solidFill>
-          <a:ln>
-            <a:noFill/>
-          </a:ln>
-        </p:spPr>
-        <p:style>
-          <a:lnRef idx="2">
-            <a:schemeClr val="accent1">
-              <a:shade val="50000"/>
-            </a:schemeClr>
-          </a:lnRef>
-          <a:fillRef idx="1">
-            <a:schemeClr val="accent1"/>
-          </a:fillRef>
-          <a:effectRef idx="0">
-            <a:schemeClr val="accent1"/>
-          </a:effectRef>
-          <a:fontRef idx="minor">
-            <a:schemeClr val="lt1"/>
-          </a:fontRef>
-        </p:style>
-        <p:txBody>
-          <a:bodyPr rtlCol="0" anchor="ctr"/>
-          <a:lstStyle/>
-          <a:p>
-            <a:pPr algn="ctr"/>
-            <a:endParaRPr lang="en-US"/>
-          </a:p>
-        </p:txBody>
-      </p:sp>
-      <p:sp>
-        <p:nvSpPr>
-          <p:cNvPr id="5" name="Rectangle 4">
-            <a:extLst>
-              <a:ext uri="{FF2B5EF4-FFF2-40B4-BE49-F238E27FC236}">
-                <a16:creationId xmlns:a16="http://schemas.microsoft.com/office/drawing/2014/main" id="{1AF87483-2E1B-6B42-AAB0-26D82FDEF1C7}"/>
-              </a:ext>
-            </a:extLst>
-          </p:cNvPr>
-          <p:cNvSpPr/>
-          <p:nvPr/>
-        </p:nvSpPr>
-        <p:spPr>
-          <a:xfrm rot="5400000">
-            <a:off x="8549833" y="3233194"/>
-            <a:ext cx="6875361" cy="408972"/>
-          </a:xfrm>
-          <a:prstGeom prst="rect">
-            <a:avLst/>
-          </a:prstGeom>
-          <a:solidFill>
-            <a:srgbClr val="59BBBA"/>
-          </a:solidFill>
-          <a:ln>
-            <a:noFill/>
-          </a:ln>
-        </p:spPr>
-        <p:style>
-          <a:lnRef idx="2">
-            <a:schemeClr val="accent1">
-              <a:shade val="50000"/>
-            </a:schemeClr>
-          </a:lnRef>
-          <a:fillRef idx="1">
-            <a:schemeClr val="accent1"/>
-          </a:fillRef>
-          <a:effectRef idx="0">
-            <a:schemeClr val="accent1"/>
-          </a:effectRef>
-          <a:fontRef idx="minor">
-            <a:schemeClr val="lt1"/>
-          </a:fontRef>
-        </p:style>
-        <p:txBody>
-          <a:bodyPr rtlCol="0" anchor="ctr"/>
-          <a:lstStyle/>
-          <a:p>
-            <a:pPr algn="ctr"/>
-            <a:endParaRPr lang="en-US"/>
-          </a:p>
-        </p:txBody>
-      </p:sp>
-      <p:pic>
-        <p:nvPicPr>
-          <p:cNvPr id="9" name="Picture 8">
-            <a:extLst>
-              <a:ext uri="{FF2B5EF4-FFF2-40B4-BE49-F238E27FC236}">
-                <a16:creationId xmlns:a16="http://schemas.microsoft.com/office/drawing/2014/main" id="{17CE25D7-3679-D145-96A9-3036B8A46D53}"/>
-              </a:ext>
-            </a:extLst>
-          </p:cNvPr>
-          <p:cNvPicPr>
-            <a:picLocks noChangeAspect="1"/>
-          </p:cNvPicPr>
-          <p:nvPr/>
-        </p:nvPicPr>
-        <p:blipFill>
-          <a:blip r:embed="rId3"/>
-          <a:stretch>
-            <a:fillRect/>
-          </a:stretch>
-        </p:blipFill>
-        <p:spPr>
-          <a:xfrm>
-            <a:off x="508722" y="1604204"/>
-            <a:ext cx="2809544" cy="4505283"/>
-          </a:xfrm>
-          <a:prstGeom prst="rect">
-            <a:avLst/>
-          </a:prstGeom>
-        </p:spPr>
-      </p:pic>
-      <p:pic>
-        <p:nvPicPr>
-          <p:cNvPr id="11" name="Picture 10">
-            <a:extLst>
-              <a:ext uri="{FF2B5EF4-FFF2-40B4-BE49-F238E27FC236}">
-                <a16:creationId xmlns:a16="http://schemas.microsoft.com/office/drawing/2014/main" id="{8462746F-EE65-4544-9B93-8A1A52C600A1}"/>
-              </a:ext>
-            </a:extLst>
-          </p:cNvPr>
-          <p:cNvPicPr>
-            <a:picLocks noChangeAspect="1"/>
-          </p:cNvPicPr>
-          <p:nvPr/>
-        </p:nvPicPr>
-        <p:blipFill>
-          <a:blip r:embed="rId4"/>
-          <a:stretch>
-            <a:fillRect/>
-          </a:stretch>
-        </p:blipFill>
-        <p:spPr>
-          <a:xfrm>
-            <a:off x="4894014" y="2155964"/>
-            <a:ext cx="6038631" cy="3401762"/>
-          </a:xfrm>
-          <a:prstGeom prst="rect">
-            <a:avLst/>
-          </a:prstGeom>
-        </p:spPr>
-      </p:pic>
-    </p:spTree>
-    <p:extLst>
-      <p:ext uri="{BB962C8B-B14F-4D97-AF65-F5344CB8AC3E}">
-        <p14:creationId xmlns:p14="http://schemas.microsoft.com/office/powerpoint/2010/main" val="2015664635"/>
-      </p:ext>
-    </p:extLst>
-  </p:cSld>
-  <p:clrMapOvr>
-    <a:masterClrMapping/>
-  </p:clrMapOvr>
-  <p:transition spd="slow">
-    <p:push dir="u"/>
-  </p:transition>
-</p:sld>
-</file>
-
-<file path=ppt/slides/slide8.xml><?xml version="1.0" encoding="utf-8"?>
-<p:sld xmlns:a="http://schemas.openxmlformats.org/drawingml/2006/main" xmlns:r="http://schemas.openxmlformats.org/officeDocument/2006/relationships" xmlns:p="http://schemas.openxmlformats.org/presentationml/2006/main">
-  <p:cSld>
-    <p:spTree>
-      <p:nvGrpSpPr>
-        <p:cNvPr id="1" name=""/>
-        <p:cNvGrpSpPr/>
-        <p:nvPr/>
-      </p:nvGrpSpPr>
-      <p:grpSpPr>
-        <a:xfrm>
-          <a:off x="0" y="0"/>
-          <a:ext cx="0" cy="0"/>
-          <a:chOff x="0" y="0"/>
-          <a:chExt cx="0" cy="0"/>
-        </a:xfrm>
-      </p:grpSpPr>
-      <p:sp>
-        <p:nvSpPr>
           <p:cNvPr id="27" name="Text Placeholder 25"/>
           <p:cNvSpPr txBox="1">
             <a:spLocks/>
@@ -6317,7 +4866,7 @@
         </p:nvSpPr>
         <p:spPr bwMode="invGray">
           <a:xfrm>
-            <a:off x="2551043" y="2812615"/>
+            <a:off x="3048000" y="1575644"/>
             <a:ext cx="6096000" cy="821606"/>
           </a:xfrm>
           <a:prstGeom prst="rect">
@@ -6522,7 +5071,7 @@
                 </a:solidFill>
                 <a:latin typeface="+mn-lt"/>
               </a:rPr>
-              <a:t>DEMO</a:t>
+              <a:t>¿Preguntas?</a:t>
             </a:r>
           </a:p>
         </p:txBody>
@@ -6573,6 +5122,267 @@
           </a:p>
         </p:txBody>
       </p:sp>
+      <p:sp>
+        <p:nvSpPr>
+          <p:cNvPr id="12" name="TextBox 11"/>
+          <p:cNvSpPr txBox="1"/>
+          <p:nvPr/>
+        </p:nvSpPr>
+        <p:spPr>
+          <a:xfrm>
+            <a:off x="1736961" y="4171310"/>
+            <a:ext cx="7065051" cy="1250737"/>
+          </a:xfrm>
+          <a:prstGeom prst="rect">
+            <a:avLst/>
+          </a:prstGeom>
+          <a:noFill/>
+          <a:ln w="12700" cap="flat">
+            <a:noFill/>
+            <a:miter lim="400000"/>
+          </a:ln>
+          <a:effectLst/>
+        </p:spPr>
+        <p:style>
+          <a:lnRef idx="0">
+            <a:scrgbClr r="0" g="0" b="0"/>
+          </a:lnRef>
+          <a:fillRef idx="0">
+            <a:scrgbClr r="0" g="0" b="0"/>
+          </a:fillRef>
+          <a:effectRef idx="0">
+            <a:scrgbClr r="0" g="0" b="0"/>
+          </a:effectRef>
+          <a:fontRef idx="none"/>
+        </p:style>
+        <p:txBody>
+          <a:bodyPr rot="0" spcFirstLastPara="1" vertOverflow="overflow" horzOverflow="overflow" vert="horz" wrap="square" lIns="18674" tIns="18674" rIns="18674" bIns="18674" numCol="1" spcCol="14288" rtlCol="0" anchor="ctr">
+            <a:spAutoFit/>
+          </a:bodyPr>
+          <a:lstStyle/>
+          <a:p>
+            <a:r>
+              <a:rPr lang="es-ES_tradnl" sz="1961" dirty="0">
+                <a:cs typeface="Arial"/>
+              </a:rPr>
+              <a:t>Alejandro Ruiz</a:t>
+            </a:r>
+          </a:p>
+          <a:p>
+            <a:r>
+              <a:rPr lang="es-ES_tradnl" sz="1961" dirty="0">
+                <a:latin typeface="+mj-lt"/>
+                <a:cs typeface="Arial"/>
+              </a:rPr>
+              <a:t>Microsoft MVP: </a:t>
+            </a:r>
+            <a:r>
+              <a:rPr lang="es-ES_tradnl" sz="1961" dirty="0" err="1">
+                <a:latin typeface="+mj-lt"/>
+                <a:cs typeface="Arial"/>
+              </a:rPr>
+              <a:t>Developer</a:t>
+            </a:r>
+            <a:r>
+              <a:rPr lang="es-ES_tradnl" sz="1961" dirty="0">
+                <a:latin typeface="+mj-lt"/>
+                <a:cs typeface="Arial"/>
+              </a:rPr>
+              <a:t> Technologies</a:t>
+            </a:r>
+          </a:p>
+          <a:p>
+            <a:r>
+              <a:rPr lang="es-ES_tradnl" sz="1961" dirty="0" err="1">
+                <a:latin typeface="+mj-lt"/>
+                <a:cs typeface="Arial"/>
+              </a:rPr>
+              <a:t>SwipeView</a:t>
+            </a:r>
+            <a:r>
+              <a:rPr lang="es-ES_tradnl" sz="1961" dirty="0">
+                <a:latin typeface="+mj-lt"/>
+                <a:cs typeface="Arial"/>
+              </a:rPr>
+              <a:t> en </a:t>
+            </a:r>
+            <a:r>
+              <a:rPr lang="es-ES_tradnl" sz="1961" dirty="0" err="1">
+                <a:latin typeface="+mj-lt"/>
+                <a:cs typeface="Arial"/>
+              </a:rPr>
+              <a:t>Xamarin.Forms</a:t>
+            </a:r>
+            <a:endParaRPr lang="es-ES_tradnl" sz="1961" dirty="0">
+              <a:latin typeface="+mj-lt"/>
+              <a:cs typeface="Arial"/>
+            </a:endParaRPr>
+          </a:p>
+          <a:p>
+            <a:r>
+              <a:rPr lang="es-ES_tradnl" sz="1961" dirty="0">
+                <a:latin typeface="+mj-lt"/>
+                <a:cs typeface="Arial"/>
+              </a:rPr>
+              <a:t>Código: </a:t>
+            </a:r>
+            <a:r>
+              <a:rPr lang="es-ES_tradnl" sz="1961" dirty="0">
+                <a:latin typeface="+mj-lt"/>
+                <a:cs typeface="Arial"/>
+                <a:hlinkClick r:id="rId3"/>
+              </a:rPr>
+              <a:t>https://github.com/AlejandroRuiz/SwipeViewDemo/</a:t>
+            </a:r>
+            <a:endParaRPr lang="es-ES_tradnl" sz="1961" dirty="0">
+              <a:latin typeface="+mj-lt"/>
+              <a:cs typeface="Arial"/>
+            </a:endParaRPr>
+          </a:p>
+        </p:txBody>
+      </p:sp>
+      <p:cxnSp>
+        <p:nvCxnSpPr>
+          <p:cNvPr id="14" name="Straight Connector 13"/>
+          <p:cNvCxnSpPr/>
+          <p:nvPr/>
+        </p:nvCxnSpPr>
+        <p:spPr>
+          <a:xfrm flipV="1">
+            <a:off x="1776344" y="5590386"/>
+            <a:ext cx="9366000" cy="4667"/>
+          </a:xfrm>
+          <a:prstGeom prst="line">
+            <a:avLst/>
+          </a:prstGeom>
+          <a:ln>
+            <a:solidFill>
+              <a:srgbClr val="16ACEE"/>
+            </a:solidFill>
+            <a:headEnd type="none"/>
+            <a:tailEnd type="none"/>
+          </a:ln>
+        </p:spPr>
+        <p:style>
+          <a:lnRef idx="2">
+            <a:schemeClr val="accent6"/>
+          </a:lnRef>
+          <a:fillRef idx="0">
+            <a:schemeClr val="accent6"/>
+          </a:fillRef>
+          <a:effectRef idx="1">
+            <a:schemeClr val="accent6"/>
+          </a:effectRef>
+          <a:fontRef idx="minor">
+            <a:schemeClr val="tx1"/>
+          </a:fontRef>
+        </p:style>
+      </p:cxnSp>
+      <p:grpSp>
+        <p:nvGrpSpPr>
+          <p:cNvPr id="9" name="Group 8"/>
+          <p:cNvGrpSpPr/>
+          <p:nvPr/>
+        </p:nvGrpSpPr>
+        <p:grpSpPr>
+          <a:xfrm>
+            <a:off x="5142129" y="5819126"/>
+            <a:ext cx="6099805" cy="414999"/>
+            <a:chOff x="5245099" y="5935662"/>
+            <a:chExt cx="6223001" cy="423381"/>
+          </a:xfrm>
+        </p:grpSpPr>
+        <p:sp>
+          <p:nvSpPr>
+            <p:cNvPr id="11" name="TextBox 10"/>
+            <p:cNvSpPr txBox="1"/>
+            <p:nvPr/>
+          </p:nvSpPr>
+          <p:spPr>
+            <a:xfrm>
+              <a:off x="5245099" y="5935662"/>
+              <a:ext cx="4097780" cy="423381"/>
+            </a:xfrm>
+            <a:prstGeom prst="rect">
+              <a:avLst/>
+            </a:prstGeom>
+            <a:noFill/>
+          </p:spPr>
+          <p:txBody>
+            <a:bodyPr wrap="square" rtlCol="0">
+              <a:spAutoFit/>
+            </a:bodyPr>
+            <a:lstStyle/>
+            <a:p>
+              <a:pPr algn="ctr">
+                <a:lnSpc>
+                  <a:spcPct val="130000"/>
+                </a:lnSpc>
+              </a:pPr>
+              <a:r>
+                <a:rPr lang="es-ES_tradnl" sz="1765" dirty="0">
+                  <a:latin typeface="+mj-lt"/>
+                  <a:cs typeface="Arial"/>
+                  <a:hlinkClick r:id="rId4"/>
+                </a:rPr>
+                <a:t>https://alejandroruizvarela.blogspot.mx</a:t>
+              </a:r>
+              <a:endParaRPr lang="es-ES_tradnl" sz="1765" dirty="0">
+                <a:latin typeface="+mj-lt"/>
+                <a:cs typeface="Arial"/>
+              </a:endParaRPr>
+            </a:p>
+          </p:txBody>
+        </p:sp>
+        <p:sp>
+          <p:nvSpPr>
+            <p:cNvPr id="15" name="TextBox 14"/>
+            <p:cNvSpPr txBox="1"/>
+            <p:nvPr/>
+          </p:nvSpPr>
+          <p:spPr>
+            <a:xfrm>
+              <a:off x="8978900" y="5935662"/>
+              <a:ext cx="2489200" cy="423381"/>
+            </a:xfrm>
+            <a:prstGeom prst="rect">
+              <a:avLst/>
+            </a:prstGeom>
+            <a:noFill/>
+          </p:spPr>
+          <p:txBody>
+            <a:bodyPr wrap="square" rtlCol="0">
+              <a:spAutoFit/>
+            </a:bodyPr>
+            <a:lstStyle/>
+            <a:p>
+              <a:pPr algn="r">
+                <a:lnSpc>
+                  <a:spcPct val="130000"/>
+                </a:lnSpc>
+              </a:pPr>
+              <a:r>
+                <a:rPr lang="es-ES_tradnl" sz="1765" dirty="0">
+                  <a:latin typeface="+mj-lt"/>
+                  <a:cs typeface="Arial"/>
+                </a:rPr>
+                <a:t>@</a:t>
+              </a:r>
+              <a:r>
+                <a:rPr lang="es-ES_tradnl" sz="1765" dirty="0" err="1">
+                  <a:latin typeface="+mj-lt"/>
+                  <a:cs typeface="Arial"/>
+                </a:rPr>
+                <a:t>alejandroruizva</a:t>
+              </a:r>
+              <a:endParaRPr lang="es-ES_tradnl" sz="1765" dirty="0">
+                <a:latin typeface="+mj-lt"/>
+                <a:cs typeface="Arial"/>
+              </a:endParaRPr>
+            </a:p>
+          </p:txBody>
+        </p:sp>
+      </p:grpSp>
       <p:sp>
         <p:nvSpPr>
           <p:cNvPr id="13" name="Rectangle 12">
@@ -6680,7 +5490,7 @@
     </p:spTree>
     <p:extLst>
       <p:ext uri="{BB962C8B-B14F-4D97-AF65-F5344CB8AC3E}">
-        <p14:creationId xmlns:p14="http://schemas.microsoft.com/office/powerpoint/2010/main" val="767126801"/>
+        <p14:creationId xmlns:p14="http://schemas.microsoft.com/office/powerpoint/2010/main" val="409972582"/>
       </p:ext>
     </p:extLst>
   </p:cSld>
@@ -6782,7 +5592,7 @@
 </p:sld>
 </file>
 
-<file path=ppt/slides/slide9.xml><?xml version="1.0" encoding="utf-8"?>
+<file path=ppt/slides/slide2.xml><?xml version="1.0" encoding="utf-8"?>
 <p:sld xmlns:a="http://schemas.openxmlformats.org/drawingml/2006/main" xmlns:r="http://schemas.openxmlformats.org/officeDocument/2006/relationships" xmlns:p="http://schemas.openxmlformats.org/presentationml/2006/main">
   <p:cSld>
     <p:spTree>
@@ -6801,6 +5611,1542 @@
       </p:grpSpPr>
       <p:sp>
         <p:nvSpPr>
+          <p:cNvPr id="2" name="Title 1">
+            <a:extLst>
+              <a:ext uri="{FF2B5EF4-FFF2-40B4-BE49-F238E27FC236}">
+                <a16:creationId xmlns:a16="http://schemas.microsoft.com/office/drawing/2014/main" id="{11BE9CB1-9A17-7C4F-8511-54A8454086BA}"/>
+              </a:ext>
+            </a:extLst>
+          </p:cNvPr>
+          <p:cNvSpPr>
+            <a:spLocks noGrp="1"/>
+          </p:cNvSpPr>
+          <p:nvPr>
+            <p:ph type="title"/>
+          </p:nvPr>
+        </p:nvSpPr>
+        <p:spPr>
+          <a:xfrm>
+            <a:off x="224742" y="365125"/>
+            <a:ext cx="10515600" cy="1325563"/>
+          </a:xfrm>
+        </p:spPr>
+        <p:txBody>
+          <a:bodyPr>
+            <a:normAutofit/>
+          </a:bodyPr>
+          <a:lstStyle/>
+          <a:p>
+            <a:r>
+              <a:rPr lang="es-ES_tradnl" b="1" dirty="0"/>
+              <a:t>La vida antes del </a:t>
+            </a:r>
+            <a:r>
+              <a:rPr lang="es-ES_tradnl" b="1" dirty="0" err="1"/>
+              <a:t>SwipeView</a:t>
+            </a:r>
+            <a:r>
+              <a:rPr lang="es-ES_tradnl" b="1" dirty="0"/>
+              <a:t>…</a:t>
+            </a:r>
+          </a:p>
+        </p:txBody>
+      </p:sp>
+      <p:sp>
+        <p:nvSpPr>
+          <p:cNvPr id="3" name="Content Placeholder 2">
+            <a:extLst>
+              <a:ext uri="{FF2B5EF4-FFF2-40B4-BE49-F238E27FC236}">
+                <a16:creationId xmlns:a16="http://schemas.microsoft.com/office/drawing/2014/main" id="{E65845F8-C3DD-0744-AC43-72EAB0E99A27}"/>
+              </a:ext>
+            </a:extLst>
+          </p:cNvPr>
+          <p:cNvSpPr>
+            <a:spLocks noGrp="1"/>
+          </p:cNvSpPr>
+          <p:nvPr>
+            <p:ph idx="1"/>
+          </p:nvPr>
+        </p:nvSpPr>
+        <p:spPr>
+          <a:xfrm>
+            <a:off x="224742" y="1524684"/>
+            <a:ext cx="10515600" cy="4351338"/>
+          </a:xfrm>
+        </p:spPr>
+        <p:txBody>
+          <a:bodyPr/>
+          <a:lstStyle/>
+          <a:p>
+            <a:r>
+              <a:rPr lang="es-ES_tradnl" dirty="0" err="1"/>
+              <a:t>Custom</a:t>
+            </a:r>
+            <a:r>
+              <a:rPr lang="es-ES_tradnl" dirty="0"/>
+              <a:t> </a:t>
+            </a:r>
+            <a:r>
+              <a:rPr lang="es-ES_tradnl" dirty="0" err="1"/>
+              <a:t>Renderers</a:t>
+            </a:r>
+            <a:r>
+              <a:rPr lang="es-ES_tradnl" dirty="0"/>
+              <a:t> 😭 😭</a:t>
+            </a:r>
+          </a:p>
+          <a:p>
+            <a:r>
+              <a:rPr lang="es-ES_tradnl" dirty="0"/>
+              <a:t>Gestos nativos 🥶🥶</a:t>
+            </a:r>
+          </a:p>
+          <a:p>
+            <a:r>
+              <a:rPr lang="es-ES_tradnl" dirty="0"/>
+              <a:t>Implementación a nivel de celda 😤 😤</a:t>
+            </a:r>
+          </a:p>
+          <a:p>
+            <a:r>
+              <a:rPr lang="es-ES_tradnl" dirty="0"/>
+              <a:t>Sin soporte para </a:t>
+            </a:r>
+            <a:r>
+              <a:rPr lang="es-ES_tradnl" dirty="0" err="1"/>
+              <a:t>CollectionView</a:t>
+            </a:r>
+            <a:r>
+              <a:rPr lang="es-ES_tradnl" dirty="0"/>
+              <a:t> 🤬🤬</a:t>
+            </a:r>
+          </a:p>
+        </p:txBody>
+      </p:sp>
+      <p:sp>
+        <p:nvSpPr>
+          <p:cNvPr id="4" name="Rectangle 3">
+            <a:extLst>
+              <a:ext uri="{FF2B5EF4-FFF2-40B4-BE49-F238E27FC236}">
+                <a16:creationId xmlns:a16="http://schemas.microsoft.com/office/drawing/2014/main" id="{FD504B0F-072D-474B-945F-FDA4BE33FE88}"/>
+              </a:ext>
+            </a:extLst>
+          </p:cNvPr>
+          <p:cNvSpPr/>
+          <p:nvPr/>
+        </p:nvSpPr>
+        <p:spPr>
+          <a:xfrm>
+            <a:off x="0" y="6446836"/>
+            <a:ext cx="12192000" cy="428525"/>
+          </a:xfrm>
+          <a:prstGeom prst="rect">
+            <a:avLst/>
+          </a:prstGeom>
+          <a:solidFill>
+            <a:srgbClr val="474E5C"/>
+          </a:solidFill>
+          <a:ln>
+            <a:noFill/>
+          </a:ln>
+        </p:spPr>
+        <p:style>
+          <a:lnRef idx="2">
+            <a:schemeClr val="accent1">
+              <a:shade val="50000"/>
+            </a:schemeClr>
+          </a:lnRef>
+          <a:fillRef idx="1">
+            <a:schemeClr val="accent1"/>
+          </a:fillRef>
+          <a:effectRef idx="0">
+            <a:schemeClr val="accent1"/>
+          </a:effectRef>
+          <a:fontRef idx="minor">
+            <a:schemeClr val="lt1"/>
+          </a:fontRef>
+        </p:style>
+        <p:txBody>
+          <a:bodyPr rtlCol="0" anchor="ctr"/>
+          <a:lstStyle/>
+          <a:p>
+            <a:pPr algn="ctr"/>
+            <a:endParaRPr lang="en-US"/>
+          </a:p>
+        </p:txBody>
+      </p:sp>
+      <p:sp>
+        <p:nvSpPr>
+          <p:cNvPr id="5" name="Rectangle 4">
+            <a:extLst>
+              <a:ext uri="{FF2B5EF4-FFF2-40B4-BE49-F238E27FC236}">
+                <a16:creationId xmlns:a16="http://schemas.microsoft.com/office/drawing/2014/main" id="{1AF87483-2E1B-6B42-AAB0-26D82FDEF1C7}"/>
+              </a:ext>
+            </a:extLst>
+          </p:cNvPr>
+          <p:cNvSpPr/>
+          <p:nvPr/>
+        </p:nvSpPr>
+        <p:spPr>
+          <a:xfrm rot="5400000">
+            <a:off x="8549833" y="3233194"/>
+            <a:ext cx="6875361" cy="408972"/>
+          </a:xfrm>
+          <a:prstGeom prst="rect">
+            <a:avLst/>
+          </a:prstGeom>
+          <a:solidFill>
+            <a:srgbClr val="59BBBA"/>
+          </a:solidFill>
+          <a:ln>
+            <a:noFill/>
+          </a:ln>
+        </p:spPr>
+        <p:style>
+          <a:lnRef idx="2">
+            <a:schemeClr val="accent1">
+              <a:shade val="50000"/>
+            </a:schemeClr>
+          </a:lnRef>
+          <a:fillRef idx="1">
+            <a:schemeClr val="accent1"/>
+          </a:fillRef>
+          <a:effectRef idx="0">
+            <a:schemeClr val="accent1"/>
+          </a:effectRef>
+          <a:fontRef idx="minor">
+            <a:schemeClr val="lt1"/>
+          </a:fontRef>
+        </p:style>
+        <p:txBody>
+          <a:bodyPr rtlCol="0" anchor="ctr"/>
+          <a:lstStyle/>
+          <a:p>
+            <a:pPr algn="ctr"/>
+            <a:endParaRPr lang="en-US"/>
+          </a:p>
+        </p:txBody>
+      </p:sp>
+    </p:spTree>
+    <p:extLst>
+      <p:ext uri="{BB962C8B-B14F-4D97-AF65-F5344CB8AC3E}">
+        <p14:creationId xmlns:p14="http://schemas.microsoft.com/office/powerpoint/2010/main" val="1634517408"/>
+      </p:ext>
+    </p:extLst>
+  </p:cSld>
+  <p:clrMapOvr>
+    <a:masterClrMapping/>
+  </p:clrMapOvr>
+  <p:transition spd="slow">
+    <p:push dir="u"/>
+  </p:transition>
+</p:sld>
+</file>
+
+<file path=ppt/slides/slide3.xml><?xml version="1.0" encoding="utf-8"?>
+<p:sld xmlns:a="http://schemas.openxmlformats.org/drawingml/2006/main" xmlns:r="http://schemas.openxmlformats.org/officeDocument/2006/relationships" xmlns:p="http://schemas.openxmlformats.org/presentationml/2006/main">
+  <p:cSld>
+    <p:spTree>
+      <p:nvGrpSpPr>
+        <p:cNvPr id="1" name=""/>
+        <p:cNvGrpSpPr/>
+        <p:nvPr/>
+      </p:nvGrpSpPr>
+      <p:grpSpPr>
+        <a:xfrm>
+          <a:off x="0" y="0"/>
+          <a:ext cx="0" cy="0"/>
+          <a:chOff x="0" y="0"/>
+          <a:chExt cx="0" cy="0"/>
+        </a:xfrm>
+      </p:grpSpPr>
+      <p:sp>
+        <p:nvSpPr>
+          <p:cNvPr id="2" name="Title 1">
+            <a:extLst>
+              <a:ext uri="{FF2B5EF4-FFF2-40B4-BE49-F238E27FC236}">
+                <a16:creationId xmlns:a16="http://schemas.microsoft.com/office/drawing/2014/main" id="{11BE9CB1-9A17-7C4F-8511-54A8454086BA}"/>
+              </a:ext>
+            </a:extLst>
+          </p:cNvPr>
+          <p:cNvSpPr>
+            <a:spLocks noGrp="1"/>
+          </p:cNvSpPr>
+          <p:nvPr>
+            <p:ph type="title"/>
+          </p:nvPr>
+        </p:nvSpPr>
+        <p:spPr>
+          <a:xfrm>
+            <a:off x="224742" y="365125"/>
+            <a:ext cx="10515600" cy="1325563"/>
+          </a:xfrm>
+        </p:spPr>
+        <p:txBody>
+          <a:bodyPr>
+            <a:normAutofit/>
+          </a:bodyPr>
+          <a:lstStyle/>
+          <a:p>
+            <a:r>
+              <a:rPr lang="es-ES_tradnl" b="1" dirty="0"/>
+              <a:t>Iniciando con </a:t>
+            </a:r>
+            <a:r>
+              <a:rPr lang="es-ES_tradnl" b="1" dirty="0" err="1"/>
+              <a:t>SwipeView</a:t>
+            </a:r>
+            <a:r>
+              <a:rPr lang="es-ES_tradnl" b="1" dirty="0"/>
+              <a:t>…</a:t>
+            </a:r>
+          </a:p>
+        </p:txBody>
+      </p:sp>
+      <p:sp>
+        <p:nvSpPr>
+          <p:cNvPr id="3" name="Content Placeholder 2">
+            <a:extLst>
+              <a:ext uri="{FF2B5EF4-FFF2-40B4-BE49-F238E27FC236}">
+                <a16:creationId xmlns:a16="http://schemas.microsoft.com/office/drawing/2014/main" id="{E65845F8-C3DD-0744-AC43-72EAB0E99A27}"/>
+              </a:ext>
+            </a:extLst>
+          </p:cNvPr>
+          <p:cNvSpPr>
+            <a:spLocks noGrp="1"/>
+          </p:cNvSpPr>
+          <p:nvPr>
+            <p:ph idx="1"/>
+          </p:nvPr>
+        </p:nvSpPr>
+        <p:spPr>
+          <a:xfrm>
+            <a:off x="224742" y="1524684"/>
+            <a:ext cx="10515600" cy="4351338"/>
+          </a:xfrm>
+        </p:spPr>
+        <p:txBody>
+          <a:bodyPr/>
+          <a:lstStyle/>
+          <a:p>
+            <a:r>
+              <a:rPr lang="es-ES_tradnl" dirty="0"/>
+              <a:t>Se requiere al menos la versión 4.4 de </a:t>
+            </a:r>
+            <a:r>
+              <a:rPr lang="es-ES_tradnl" dirty="0" err="1"/>
+              <a:t>Xamarin.Forms</a:t>
+            </a:r>
+            <a:endParaRPr lang="es-ES_tradnl" dirty="0"/>
+          </a:p>
+          <a:p>
+            <a:r>
+              <a:rPr lang="es-ES_tradnl" dirty="0"/>
+              <a:t>Aun se encuentra en </a:t>
+            </a:r>
+            <a:r>
+              <a:rPr lang="es-ES_tradnl" dirty="0" err="1"/>
+              <a:t>preview</a:t>
+            </a:r>
+            <a:r>
+              <a:rPr lang="es-ES_tradnl" dirty="0"/>
+              <a:t> por lo que se requiere habilitar el </a:t>
+            </a:r>
+            <a:r>
+              <a:rPr lang="es-ES_tradnl" dirty="0" err="1"/>
+              <a:t>flag</a:t>
+            </a:r>
+            <a:r>
+              <a:rPr lang="es-ES_tradnl" dirty="0"/>
+              <a:t> “</a:t>
+            </a:r>
+            <a:r>
+              <a:rPr lang="es-ES_tradnl" dirty="0" err="1"/>
+              <a:t>SwipeView_Experimental</a:t>
+            </a:r>
+            <a:r>
+              <a:rPr lang="es-ES_tradnl" dirty="0"/>
+              <a:t>”</a:t>
+            </a:r>
+          </a:p>
+          <a:p>
+            <a:r>
+              <a:rPr lang="es-ES_tradnl" dirty="0"/>
+              <a:t>Funciona perfectamente en todas las direcciones (derecha, izquierda, arriba y abajo)</a:t>
+            </a:r>
+          </a:p>
+          <a:p>
+            <a:r>
+              <a:rPr lang="es-ES_tradnl" dirty="0"/>
+              <a:t>Contiene una implementación básica que puede ser extendida</a:t>
+            </a:r>
+          </a:p>
+          <a:p>
+            <a:r>
+              <a:rPr lang="es-ES_tradnl" dirty="0"/>
+              <a:t>Diferentes modos</a:t>
+            </a:r>
+          </a:p>
+          <a:p>
+            <a:r>
+              <a:rPr lang="es-ES_tradnl" dirty="0"/>
+              <a:t>Eventos para detectar el estado (inicio, movimiento y finalizado)</a:t>
+            </a:r>
+          </a:p>
+          <a:p>
+            <a:pPr marL="0" indent="0">
+              <a:buNone/>
+            </a:pPr>
+            <a:endParaRPr lang="es-ES_tradnl" dirty="0"/>
+          </a:p>
+        </p:txBody>
+      </p:sp>
+      <p:sp>
+        <p:nvSpPr>
+          <p:cNvPr id="4" name="Rectangle 3">
+            <a:extLst>
+              <a:ext uri="{FF2B5EF4-FFF2-40B4-BE49-F238E27FC236}">
+                <a16:creationId xmlns:a16="http://schemas.microsoft.com/office/drawing/2014/main" id="{FD504B0F-072D-474B-945F-FDA4BE33FE88}"/>
+              </a:ext>
+            </a:extLst>
+          </p:cNvPr>
+          <p:cNvSpPr/>
+          <p:nvPr/>
+        </p:nvSpPr>
+        <p:spPr>
+          <a:xfrm>
+            <a:off x="0" y="6446836"/>
+            <a:ext cx="12192000" cy="428525"/>
+          </a:xfrm>
+          <a:prstGeom prst="rect">
+            <a:avLst/>
+          </a:prstGeom>
+          <a:solidFill>
+            <a:srgbClr val="474E5C"/>
+          </a:solidFill>
+          <a:ln>
+            <a:noFill/>
+          </a:ln>
+        </p:spPr>
+        <p:style>
+          <a:lnRef idx="2">
+            <a:schemeClr val="accent1">
+              <a:shade val="50000"/>
+            </a:schemeClr>
+          </a:lnRef>
+          <a:fillRef idx="1">
+            <a:schemeClr val="accent1"/>
+          </a:fillRef>
+          <a:effectRef idx="0">
+            <a:schemeClr val="accent1"/>
+          </a:effectRef>
+          <a:fontRef idx="minor">
+            <a:schemeClr val="lt1"/>
+          </a:fontRef>
+        </p:style>
+        <p:txBody>
+          <a:bodyPr rtlCol="0" anchor="ctr"/>
+          <a:lstStyle/>
+          <a:p>
+            <a:pPr algn="ctr"/>
+            <a:endParaRPr lang="en-US"/>
+          </a:p>
+        </p:txBody>
+      </p:sp>
+      <p:sp>
+        <p:nvSpPr>
+          <p:cNvPr id="5" name="Rectangle 4">
+            <a:extLst>
+              <a:ext uri="{FF2B5EF4-FFF2-40B4-BE49-F238E27FC236}">
+                <a16:creationId xmlns:a16="http://schemas.microsoft.com/office/drawing/2014/main" id="{1AF87483-2E1B-6B42-AAB0-26D82FDEF1C7}"/>
+              </a:ext>
+            </a:extLst>
+          </p:cNvPr>
+          <p:cNvSpPr/>
+          <p:nvPr/>
+        </p:nvSpPr>
+        <p:spPr>
+          <a:xfrm rot="5400000">
+            <a:off x="8549833" y="3233194"/>
+            <a:ext cx="6875361" cy="408972"/>
+          </a:xfrm>
+          <a:prstGeom prst="rect">
+            <a:avLst/>
+          </a:prstGeom>
+          <a:solidFill>
+            <a:srgbClr val="59BBBA"/>
+          </a:solidFill>
+          <a:ln>
+            <a:noFill/>
+          </a:ln>
+        </p:spPr>
+        <p:style>
+          <a:lnRef idx="2">
+            <a:schemeClr val="accent1">
+              <a:shade val="50000"/>
+            </a:schemeClr>
+          </a:lnRef>
+          <a:fillRef idx="1">
+            <a:schemeClr val="accent1"/>
+          </a:fillRef>
+          <a:effectRef idx="0">
+            <a:schemeClr val="accent1"/>
+          </a:effectRef>
+          <a:fontRef idx="minor">
+            <a:schemeClr val="lt1"/>
+          </a:fontRef>
+        </p:style>
+        <p:txBody>
+          <a:bodyPr rtlCol="0" anchor="ctr"/>
+          <a:lstStyle/>
+          <a:p>
+            <a:pPr algn="ctr"/>
+            <a:endParaRPr lang="en-US"/>
+          </a:p>
+        </p:txBody>
+      </p:sp>
+    </p:spTree>
+    <p:extLst>
+      <p:ext uri="{BB962C8B-B14F-4D97-AF65-F5344CB8AC3E}">
+        <p14:creationId xmlns:p14="http://schemas.microsoft.com/office/powerpoint/2010/main" val="4178787712"/>
+      </p:ext>
+    </p:extLst>
+  </p:cSld>
+  <p:clrMapOvr>
+    <a:masterClrMapping/>
+  </p:clrMapOvr>
+  <p:transition spd="slow">
+    <p:push dir="u"/>
+  </p:transition>
+</p:sld>
+</file>
+
+<file path=ppt/slides/slide4.xml><?xml version="1.0" encoding="utf-8"?>
+<p:sld xmlns:a="http://schemas.openxmlformats.org/drawingml/2006/main" xmlns:r="http://schemas.openxmlformats.org/officeDocument/2006/relationships" xmlns:p="http://schemas.openxmlformats.org/presentationml/2006/main">
+  <p:cSld>
+    <p:spTree>
+      <p:nvGrpSpPr>
+        <p:cNvPr id="1" name=""/>
+        <p:cNvGrpSpPr/>
+        <p:nvPr/>
+      </p:nvGrpSpPr>
+      <p:grpSpPr>
+        <a:xfrm>
+          <a:off x="0" y="0"/>
+          <a:ext cx="0" cy="0"/>
+          <a:chOff x="0" y="0"/>
+          <a:chExt cx="0" cy="0"/>
+        </a:xfrm>
+      </p:grpSpPr>
+      <p:sp>
+        <p:nvSpPr>
+          <p:cNvPr id="2" name="Title 1">
+            <a:extLst>
+              <a:ext uri="{FF2B5EF4-FFF2-40B4-BE49-F238E27FC236}">
+                <a16:creationId xmlns:a16="http://schemas.microsoft.com/office/drawing/2014/main" id="{11BE9CB1-9A17-7C4F-8511-54A8454086BA}"/>
+              </a:ext>
+            </a:extLst>
+          </p:cNvPr>
+          <p:cNvSpPr>
+            <a:spLocks noGrp="1"/>
+          </p:cNvSpPr>
+          <p:nvPr>
+            <p:ph type="title"/>
+          </p:nvPr>
+        </p:nvSpPr>
+        <p:spPr>
+          <a:xfrm>
+            <a:off x="224742" y="365125"/>
+            <a:ext cx="10515600" cy="1325563"/>
+          </a:xfrm>
+        </p:spPr>
+        <p:txBody>
+          <a:bodyPr>
+            <a:normAutofit/>
+          </a:bodyPr>
+          <a:lstStyle/>
+          <a:p>
+            <a:r>
+              <a:rPr lang="es-ES_tradnl" b="1" dirty="0"/>
+              <a:t>Definición del nuevo control</a:t>
+            </a:r>
+          </a:p>
+        </p:txBody>
+      </p:sp>
+      <p:sp>
+        <p:nvSpPr>
+          <p:cNvPr id="3" name="Content Placeholder 2">
+            <a:extLst>
+              <a:ext uri="{FF2B5EF4-FFF2-40B4-BE49-F238E27FC236}">
+                <a16:creationId xmlns:a16="http://schemas.microsoft.com/office/drawing/2014/main" id="{E65845F8-C3DD-0744-AC43-72EAB0E99A27}"/>
+              </a:ext>
+            </a:extLst>
+          </p:cNvPr>
+          <p:cNvSpPr>
+            <a:spLocks noGrp="1"/>
+          </p:cNvSpPr>
+          <p:nvPr>
+            <p:ph idx="1"/>
+          </p:nvPr>
+        </p:nvSpPr>
+        <p:spPr>
+          <a:xfrm>
+            <a:off x="224742" y="1524684"/>
+            <a:ext cx="10515600" cy="4351338"/>
+          </a:xfrm>
+        </p:spPr>
+        <p:txBody>
+          <a:bodyPr/>
+          <a:lstStyle/>
+          <a:p>
+            <a:r>
+              <a:rPr lang="es-ES_tradnl" dirty="0"/>
+              <a:t>Nombre de clase: </a:t>
+            </a:r>
+            <a:r>
+              <a:rPr lang="es-ES_tradnl" dirty="0" err="1"/>
+              <a:t>SwipeView</a:t>
+            </a:r>
+            <a:endParaRPr lang="es-ES_tradnl" dirty="0"/>
+          </a:p>
+          <a:p>
+            <a:r>
+              <a:rPr lang="es-ES_tradnl" dirty="0"/>
+              <a:t>Contiene 4 colecciones para definir los elementos a mostrar </a:t>
+            </a:r>
+            <a:r>
+              <a:rPr lang="es-ES_tradnl" dirty="0" err="1"/>
+              <a:t>LeftItems</a:t>
+            </a:r>
+            <a:r>
+              <a:rPr lang="es-ES_tradnl" dirty="0"/>
+              <a:t>, </a:t>
+            </a:r>
+            <a:r>
+              <a:rPr lang="es-ES_tradnl" dirty="0" err="1"/>
+              <a:t>RightItems</a:t>
+            </a:r>
+            <a:r>
+              <a:rPr lang="es-ES_tradnl" dirty="0"/>
+              <a:t>, </a:t>
+            </a:r>
+            <a:r>
+              <a:rPr lang="es-ES_tradnl" dirty="0" err="1"/>
+              <a:t>TopItems</a:t>
+            </a:r>
+            <a:r>
+              <a:rPr lang="es-ES_tradnl" dirty="0"/>
+              <a:t> y </a:t>
+            </a:r>
+            <a:r>
+              <a:rPr lang="es-ES_tradnl" dirty="0" err="1"/>
+              <a:t>BottomItems</a:t>
+            </a:r>
+            <a:endParaRPr lang="es-ES_tradnl" dirty="0"/>
+          </a:p>
+          <a:p>
+            <a:r>
+              <a:rPr lang="es-ES_tradnl" dirty="0"/>
+              <a:t>Cada colección </a:t>
+            </a:r>
+            <a:r>
+              <a:rPr lang="es-ES_tradnl" dirty="0" err="1"/>
+              <a:t>SwipeItems</a:t>
+            </a:r>
+            <a:r>
+              <a:rPr lang="es-ES_tradnl" dirty="0"/>
+              <a:t> puede contener uno o mas elementos de los tipos:</a:t>
+            </a:r>
+          </a:p>
+          <a:p>
+            <a:pPr lvl="1"/>
+            <a:r>
+              <a:rPr lang="es-ES_tradnl" dirty="0" err="1"/>
+              <a:t>SwipeItem</a:t>
+            </a:r>
+            <a:r>
+              <a:rPr lang="es-ES_tradnl" dirty="0"/>
+              <a:t>: implementación básica de un menú contextual con texto, imagen y color de fondo</a:t>
+            </a:r>
+          </a:p>
+          <a:p>
+            <a:pPr lvl="1"/>
+            <a:r>
+              <a:rPr lang="es-ES_tradnl" dirty="0" err="1"/>
+              <a:t>SwipeItemView</a:t>
+            </a:r>
+            <a:r>
+              <a:rPr lang="es-ES_tradnl" dirty="0"/>
+              <a:t>: permite generar una implementación personalizada</a:t>
+            </a:r>
+          </a:p>
+          <a:p>
+            <a:pPr lvl="1"/>
+            <a:endParaRPr lang="es-ES_tradnl" dirty="0"/>
+          </a:p>
+          <a:p>
+            <a:pPr marL="0" indent="0">
+              <a:buNone/>
+            </a:pPr>
+            <a:endParaRPr lang="es-ES_tradnl" dirty="0"/>
+          </a:p>
+        </p:txBody>
+      </p:sp>
+      <p:sp>
+        <p:nvSpPr>
+          <p:cNvPr id="4" name="Rectangle 3">
+            <a:extLst>
+              <a:ext uri="{FF2B5EF4-FFF2-40B4-BE49-F238E27FC236}">
+                <a16:creationId xmlns:a16="http://schemas.microsoft.com/office/drawing/2014/main" id="{FD504B0F-072D-474B-945F-FDA4BE33FE88}"/>
+              </a:ext>
+            </a:extLst>
+          </p:cNvPr>
+          <p:cNvSpPr/>
+          <p:nvPr/>
+        </p:nvSpPr>
+        <p:spPr>
+          <a:xfrm>
+            <a:off x="0" y="6446836"/>
+            <a:ext cx="12192000" cy="428525"/>
+          </a:xfrm>
+          <a:prstGeom prst="rect">
+            <a:avLst/>
+          </a:prstGeom>
+          <a:solidFill>
+            <a:srgbClr val="474E5C"/>
+          </a:solidFill>
+          <a:ln>
+            <a:noFill/>
+          </a:ln>
+        </p:spPr>
+        <p:style>
+          <a:lnRef idx="2">
+            <a:schemeClr val="accent1">
+              <a:shade val="50000"/>
+            </a:schemeClr>
+          </a:lnRef>
+          <a:fillRef idx="1">
+            <a:schemeClr val="accent1"/>
+          </a:fillRef>
+          <a:effectRef idx="0">
+            <a:schemeClr val="accent1"/>
+          </a:effectRef>
+          <a:fontRef idx="minor">
+            <a:schemeClr val="lt1"/>
+          </a:fontRef>
+        </p:style>
+        <p:txBody>
+          <a:bodyPr rtlCol="0" anchor="ctr"/>
+          <a:lstStyle/>
+          <a:p>
+            <a:pPr algn="ctr"/>
+            <a:endParaRPr lang="en-US"/>
+          </a:p>
+        </p:txBody>
+      </p:sp>
+      <p:sp>
+        <p:nvSpPr>
+          <p:cNvPr id="5" name="Rectangle 4">
+            <a:extLst>
+              <a:ext uri="{FF2B5EF4-FFF2-40B4-BE49-F238E27FC236}">
+                <a16:creationId xmlns:a16="http://schemas.microsoft.com/office/drawing/2014/main" id="{1AF87483-2E1B-6B42-AAB0-26D82FDEF1C7}"/>
+              </a:ext>
+            </a:extLst>
+          </p:cNvPr>
+          <p:cNvSpPr/>
+          <p:nvPr/>
+        </p:nvSpPr>
+        <p:spPr>
+          <a:xfrm rot="5400000">
+            <a:off x="8549833" y="3233194"/>
+            <a:ext cx="6875361" cy="408972"/>
+          </a:xfrm>
+          <a:prstGeom prst="rect">
+            <a:avLst/>
+          </a:prstGeom>
+          <a:solidFill>
+            <a:srgbClr val="59BBBA"/>
+          </a:solidFill>
+          <a:ln>
+            <a:noFill/>
+          </a:ln>
+        </p:spPr>
+        <p:style>
+          <a:lnRef idx="2">
+            <a:schemeClr val="accent1">
+              <a:shade val="50000"/>
+            </a:schemeClr>
+          </a:lnRef>
+          <a:fillRef idx="1">
+            <a:schemeClr val="accent1"/>
+          </a:fillRef>
+          <a:effectRef idx="0">
+            <a:schemeClr val="accent1"/>
+          </a:effectRef>
+          <a:fontRef idx="minor">
+            <a:schemeClr val="lt1"/>
+          </a:fontRef>
+        </p:style>
+        <p:txBody>
+          <a:bodyPr rtlCol="0" anchor="ctr"/>
+          <a:lstStyle/>
+          <a:p>
+            <a:pPr algn="ctr"/>
+            <a:endParaRPr lang="en-US"/>
+          </a:p>
+        </p:txBody>
+      </p:sp>
+    </p:spTree>
+    <p:extLst>
+      <p:ext uri="{BB962C8B-B14F-4D97-AF65-F5344CB8AC3E}">
+        <p14:creationId xmlns:p14="http://schemas.microsoft.com/office/powerpoint/2010/main" val="112301293"/>
+      </p:ext>
+    </p:extLst>
+  </p:cSld>
+  <p:clrMapOvr>
+    <a:masterClrMapping/>
+  </p:clrMapOvr>
+  <p:transition spd="slow">
+    <p:push dir="u"/>
+  </p:transition>
+</p:sld>
+</file>
+
+<file path=ppt/slides/slide5.xml><?xml version="1.0" encoding="utf-8"?>
+<p:sld xmlns:a="http://schemas.openxmlformats.org/drawingml/2006/main" xmlns:r="http://schemas.openxmlformats.org/officeDocument/2006/relationships" xmlns:p="http://schemas.openxmlformats.org/presentationml/2006/main">
+  <p:cSld>
+    <p:spTree>
+      <p:nvGrpSpPr>
+        <p:cNvPr id="1" name=""/>
+        <p:cNvGrpSpPr/>
+        <p:nvPr/>
+      </p:nvGrpSpPr>
+      <p:grpSpPr>
+        <a:xfrm>
+          <a:off x="0" y="0"/>
+          <a:ext cx="0" cy="0"/>
+          <a:chOff x="0" y="0"/>
+          <a:chExt cx="0" cy="0"/>
+        </a:xfrm>
+      </p:grpSpPr>
+      <p:sp>
+        <p:nvSpPr>
+          <p:cNvPr id="4" name="Rectangle 3">
+            <a:extLst>
+              <a:ext uri="{FF2B5EF4-FFF2-40B4-BE49-F238E27FC236}">
+                <a16:creationId xmlns:a16="http://schemas.microsoft.com/office/drawing/2014/main" id="{FD504B0F-072D-474B-945F-FDA4BE33FE88}"/>
+              </a:ext>
+            </a:extLst>
+          </p:cNvPr>
+          <p:cNvSpPr/>
+          <p:nvPr/>
+        </p:nvSpPr>
+        <p:spPr>
+          <a:xfrm>
+            <a:off x="0" y="6446836"/>
+            <a:ext cx="12192000" cy="428525"/>
+          </a:xfrm>
+          <a:prstGeom prst="rect">
+            <a:avLst/>
+          </a:prstGeom>
+          <a:solidFill>
+            <a:srgbClr val="474E5C"/>
+          </a:solidFill>
+          <a:ln>
+            <a:noFill/>
+          </a:ln>
+        </p:spPr>
+        <p:style>
+          <a:lnRef idx="2">
+            <a:schemeClr val="accent1">
+              <a:shade val="50000"/>
+            </a:schemeClr>
+          </a:lnRef>
+          <a:fillRef idx="1">
+            <a:schemeClr val="accent1"/>
+          </a:fillRef>
+          <a:effectRef idx="0">
+            <a:schemeClr val="accent1"/>
+          </a:effectRef>
+          <a:fontRef idx="minor">
+            <a:schemeClr val="lt1"/>
+          </a:fontRef>
+        </p:style>
+        <p:txBody>
+          <a:bodyPr rtlCol="0" anchor="ctr"/>
+          <a:lstStyle/>
+          <a:p>
+            <a:pPr algn="ctr"/>
+            <a:endParaRPr lang="en-US"/>
+          </a:p>
+        </p:txBody>
+      </p:sp>
+      <p:sp>
+        <p:nvSpPr>
+          <p:cNvPr id="5" name="Rectangle 4">
+            <a:extLst>
+              <a:ext uri="{FF2B5EF4-FFF2-40B4-BE49-F238E27FC236}">
+                <a16:creationId xmlns:a16="http://schemas.microsoft.com/office/drawing/2014/main" id="{1AF87483-2E1B-6B42-AAB0-26D82FDEF1C7}"/>
+              </a:ext>
+            </a:extLst>
+          </p:cNvPr>
+          <p:cNvSpPr/>
+          <p:nvPr/>
+        </p:nvSpPr>
+        <p:spPr>
+          <a:xfrm rot="5400000">
+            <a:off x="8549833" y="3233194"/>
+            <a:ext cx="6875361" cy="408972"/>
+          </a:xfrm>
+          <a:prstGeom prst="rect">
+            <a:avLst/>
+          </a:prstGeom>
+          <a:solidFill>
+            <a:srgbClr val="59BBBA"/>
+          </a:solidFill>
+          <a:ln>
+            <a:noFill/>
+          </a:ln>
+        </p:spPr>
+        <p:style>
+          <a:lnRef idx="2">
+            <a:schemeClr val="accent1">
+              <a:shade val="50000"/>
+            </a:schemeClr>
+          </a:lnRef>
+          <a:fillRef idx="1">
+            <a:schemeClr val="accent1"/>
+          </a:fillRef>
+          <a:effectRef idx="0">
+            <a:schemeClr val="accent1"/>
+          </a:effectRef>
+          <a:fontRef idx="minor">
+            <a:schemeClr val="lt1"/>
+          </a:fontRef>
+        </p:style>
+        <p:txBody>
+          <a:bodyPr rtlCol="0" anchor="ctr"/>
+          <a:lstStyle/>
+          <a:p>
+            <a:pPr algn="ctr"/>
+            <a:endParaRPr lang="en-US"/>
+          </a:p>
+        </p:txBody>
+      </p:sp>
+      <p:pic>
+        <p:nvPicPr>
+          <p:cNvPr id="11" name="Picture 10">
+            <a:extLst>
+              <a:ext uri="{FF2B5EF4-FFF2-40B4-BE49-F238E27FC236}">
+                <a16:creationId xmlns:a16="http://schemas.microsoft.com/office/drawing/2014/main" id="{B9ECEFB5-3A87-A54C-89E3-0C3FC4E9B366}"/>
+              </a:ext>
+            </a:extLst>
+          </p:cNvPr>
+          <p:cNvPicPr>
+            <a:picLocks noChangeAspect="1"/>
+          </p:cNvPicPr>
+          <p:nvPr/>
+        </p:nvPicPr>
+        <p:blipFill>
+          <a:blip r:embed="rId3"/>
+          <a:stretch>
+            <a:fillRect/>
+          </a:stretch>
+        </p:blipFill>
+        <p:spPr>
+          <a:xfrm>
+            <a:off x="2278734" y="769316"/>
+            <a:ext cx="6938794" cy="5319367"/>
+          </a:xfrm>
+          <a:prstGeom prst="rect">
+            <a:avLst/>
+          </a:prstGeom>
+        </p:spPr>
+      </p:pic>
+    </p:spTree>
+    <p:extLst>
+      <p:ext uri="{BB962C8B-B14F-4D97-AF65-F5344CB8AC3E}">
+        <p14:creationId xmlns:p14="http://schemas.microsoft.com/office/powerpoint/2010/main" val="2615829708"/>
+      </p:ext>
+    </p:extLst>
+  </p:cSld>
+  <p:clrMapOvr>
+    <a:masterClrMapping/>
+  </p:clrMapOvr>
+  <p:transition spd="slow">
+    <p:push dir="u"/>
+  </p:transition>
+</p:sld>
+</file>
+
+<file path=ppt/slides/slide6.xml><?xml version="1.0" encoding="utf-8"?>
+<p:sld xmlns:a="http://schemas.openxmlformats.org/drawingml/2006/main" xmlns:r="http://schemas.openxmlformats.org/officeDocument/2006/relationships" xmlns:p="http://schemas.openxmlformats.org/presentationml/2006/main">
+  <p:cSld>
+    <p:spTree>
+      <p:nvGrpSpPr>
+        <p:cNvPr id="1" name=""/>
+        <p:cNvGrpSpPr/>
+        <p:nvPr/>
+      </p:nvGrpSpPr>
+      <p:grpSpPr>
+        <a:xfrm>
+          <a:off x="0" y="0"/>
+          <a:ext cx="0" cy="0"/>
+          <a:chOff x="0" y="0"/>
+          <a:chExt cx="0" cy="0"/>
+        </a:xfrm>
+      </p:grpSpPr>
+      <p:sp>
+        <p:nvSpPr>
+          <p:cNvPr id="2" name="Title 1">
+            <a:extLst>
+              <a:ext uri="{FF2B5EF4-FFF2-40B4-BE49-F238E27FC236}">
+                <a16:creationId xmlns:a16="http://schemas.microsoft.com/office/drawing/2014/main" id="{11BE9CB1-9A17-7C4F-8511-54A8454086BA}"/>
+              </a:ext>
+            </a:extLst>
+          </p:cNvPr>
+          <p:cNvSpPr>
+            <a:spLocks noGrp="1"/>
+          </p:cNvSpPr>
+          <p:nvPr>
+            <p:ph type="title"/>
+          </p:nvPr>
+        </p:nvSpPr>
+        <p:spPr>
+          <a:xfrm>
+            <a:off x="224742" y="365125"/>
+            <a:ext cx="10515600" cy="1325563"/>
+          </a:xfrm>
+        </p:spPr>
+        <p:txBody>
+          <a:bodyPr>
+            <a:normAutofit/>
+          </a:bodyPr>
+          <a:lstStyle/>
+          <a:p>
+            <a:r>
+              <a:rPr lang="es-ES_tradnl" b="1" dirty="0"/>
+              <a:t>Diferentes modos y comportamientos en modo “</a:t>
+            </a:r>
+            <a:r>
+              <a:rPr lang="es-ES_tradnl" b="1" dirty="0" err="1"/>
+              <a:t>Reveal</a:t>
+            </a:r>
+            <a:r>
+              <a:rPr lang="es-ES_tradnl" b="1" dirty="0"/>
+              <a:t>”</a:t>
+            </a:r>
+          </a:p>
+        </p:txBody>
+      </p:sp>
+      <p:sp>
+        <p:nvSpPr>
+          <p:cNvPr id="3" name="Content Placeholder 2">
+            <a:extLst>
+              <a:ext uri="{FF2B5EF4-FFF2-40B4-BE49-F238E27FC236}">
+                <a16:creationId xmlns:a16="http://schemas.microsoft.com/office/drawing/2014/main" id="{E65845F8-C3DD-0744-AC43-72EAB0E99A27}"/>
+              </a:ext>
+            </a:extLst>
+          </p:cNvPr>
+          <p:cNvSpPr>
+            <a:spLocks noGrp="1"/>
+          </p:cNvSpPr>
+          <p:nvPr>
+            <p:ph idx="1"/>
+          </p:nvPr>
+        </p:nvSpPr>
+        <p:spPr>
+          <a:xfrm>
+            <a:off x="224742" y="2136912"/>
+            <a:ext cx="10515600" cy="3739109"/>
+          </a:xfrm>
+        </p:spPr>
+        <p:txBody>
+          <a:bodyPr/>
+          <a:lstStyle/>
+          <a:p>
+            <a:pPr lvl="1"/>
+            <a:r>
+              <a:rPr lang="es-ES_tradnl" dirty="0"/>
+              <a:t>Modo “</a:t>
+            </a:r>
+            <a:r>
+              <a:rPr lang="es-ES_tradnl" dirty="0" err="1"/>
+              <a:t>Execute</a:t>
+            </a:r>
+            <a:r>
+              <a:rPr lang="es-ES_tradnl" dirty="0"/>
+              <a:t>”:</a:t>
+            </a:r>
+          </a:p>
+          <a:p>
+            <a:pPr lvl="2"/>
+            <a:r>
+              <a:rPr lang="es-ES_tradnl" dirty="0"/>
+              <a:t>La acción del elemento se ejecutara al realizar el gesto de deslice.</a:t>
+            </a:r>
+          </a:p>
+          <a:p>
+            <a:pPr lvl="1"/>
+            <a:r>
+              <a:rPr lang="es-ES_tradnl" dirty="0"/>
+              <a:t>Modo “</a:t>
+            </a:r>
+            <a:r>
+              <a:rPr lang="es-ES_tradnl" dirty="0" err="1"/>
+              <a:t>Reveal</a:t>
+            </a:r>
+            <a:r>
+              <a:rPr lang="es-ES_tradnl" dirty="0"/>
+              <a:t>”:</a:t>
+            </a:r>
+          </a:p>
+          <a:p>
+            <a:pPr lvl="2"/>
+            <a:r>
+              <a:rPr lang="es-ES_tradnl" dirty="0"/>
+              <a:t>Las acciones serán mostradas para que el usuario pueda interactuar con ellas.</a:t>
+            </a:r>
+          </a:p>
+          <a:p>
+            <a:pPr lvl="2"/>
+            <a:r>
+              <a:rPr lang="es-ES_tradnl" dirty="0"/>
+              <a:t>Comportamientos:</a:t>
+            </a:r>
+          </a:p>
+          <a:p>
+            <a:pPr lvl="3"/>
+            <a:r>
+              <a:rPr lang="es-ES_tradnl" dirty="0" err="1"/>
+              <a:t>Close</a:t>
+            </a:r>
+            <a:r>
+              <a:rPr lang="es-ES_tradnl" dirty="0"/>
+              <a:t>(Default): al realizar una acción el </a:t>
+            </a:r>
+          </a:p>
+          <a:p>
+            <a:pPr lvl="3"/>
+            <a:r>
+              <a:rPr lang="en-US" dirty="0" err="1"/>
+              <a:t>RemainOpen</a:t>
+            </a:r>
+            <a:r>
+              <a:rPr lang="en-US" dirty="0"/>
+              <a:t>: Se </a:t>
+            </a:r>
+            <a:r>
+              <a:rPr lang="en-US" dirty="0" err="1"/>
+              <a:t>mantendra</a:t>
+            </a:r>
+            <a:r>
+              <a:rPr lang="en-US" dirty="0"/>
+              <a:t> visible </a:t>
+            </a:r>
+            <a:r>
+              <a:rPr lang="en-US" dirty="0" err="1"/>
+              <a:t>incluso</a:t>
+            </a:r>
+            <a:r>
+              <a:rPr lang="en-US" dirty="0"/>
+              <a:t> </a:t>
+            </a:r>
+            <a:r>
+              <a:rPr lang="en-US" dirty="0" err="1"/>
+              <a:t>despues</a:t>
+            </a:r>
+            <a:r>
+              <a:rPr lang="en-US" dirty="0"/>
+              <a:t> de </a:t>
+            </a:r>
+            <a:r>
+              <a:rPr lang="en-US" dirty="0" err="1"/>
+              <a:t>darle</a:t>
+            </a:r>
+            <a:r>
+              <a:rPr lang="en-US" dirty="0"/>
+              <a:t> click a un </a:t>
+            </a:r>
+            <a:r>
+              <a:rPr lang="en-US" dirty="0" err="1"/>
+              <a:t>elemento</a:t>
+            </a:r>
+            <a:endParaRPr lang="es-ES_tradnl" dirty="0"/>
+          </a:p>
+        </p:txBody>
+      </p:sp>
+      <p:sp>
+        <p:nvSpPr>
+          <p:cNvPr id="4" name="Rectangle 3">
+            <a:extLst>
+              <a:ext uri="{FF2B5EF4-FFF2-40B4-BE49-F238E27FC236}">
+                <a16:creationId xmlns:a16="http://schemas.microsoft.com/office/drawing/2014/main" id="{FD504B0F-072D-474B-945F-FDA4BE33FE88}"/>
+              </a:ext>
+            </a:extLst>
+          </p:cNvPr>
+          <p:cNvSpPr/>
+          <p:nvPr/>
+        </p:nvSpPr>
+        <p:spPr>
+          <a:xfrm>
+            <a:off x="0" y="6446836"/>
+            <a:ext cx="12192000" cy="428525"/>
+          </a:xfrm>
+          <a:prstGeom prst="rect">
+            <a:avLst/>
+          </a:prstGeom>
+          <a:solidFill>
+            <a:srgbClr val="474E5C"/>
+          </a:solidFill>
+          <a:ln>
+            <a:noFill/>
+          </a:ln>
+        </p:spPr>
+        <p:style>
+          <a:lnRef idx="2">
+            <a:schemeClr val="accent1">
+              <a:shade val="50000"/>
+            </a:schemeClr>
+          </a:lnRef>
+          <a:fillRef idx="1">
+            <a:schemeClr val="accent1"/>
+          </a:fillRef>
+          <a:effectRef idx="0">
+            <a:schemeClr val="accent1"/>
+          </a:effectRef>
+          <a:fontRef idx="minor">
+            <a:schemeClr val="lt1"/>
+          </a:fontRef>
+        </p:style>
+        <p:txBody>
+          <a:bodyPr rtlCol="0" anchor="ctr"/>
+          <a:lstStyle/>
+          <a:p>
+            <a:pPr algn="ctr"/>
+            <a:endParaRPr lang="en-US"/>
+          </a:p>
+        </p:txBody>
+      </p:sp>
+      <p:sp>
+        <p:nvSpPr>
+          <p:cNvPr id="5" name="Rectangle 4">
+            <a:extLst>
+              <a:ext uri="{FF2B5EF4-FFF2-40B4-BE49-F238E27FC236}">
+                <a16:creationId xmlns:a16="http://schemas.microsoft.com/office/drawing/2014/main" id="{1AF87483-2E1B-6B42-AAB0-26D82FDEF1C7}"/>
+              </a:ext>
+            </a:extLst>
+          </p:cNvPr>
+          <p:cNvSpPr/>
+          <p:nvPr/>
+        </p:nvSpPr>
+        <p:spPr>
+          <a:xfrm rot="5400000">
+            <a:off x="8549833" y="3233194"/>
+            <a:ext cx="6875361" cy="408972"/>
+          </a:xfrm>
+          <a:prstGeom prst="rect">
+            <a:avLst/>
+          </a:prstGeom>
+          <a:solidFill>
+            <a:srgbClr val="59BBBA"/>
+          </a:solidFill>
+          <a:ln>
+            <a:noFill/>
+          </a:ln>
+        </p:spPr>
+        <p:style>
+          <a:lnRef idx="2">
+            <a:schemeClr val="accent1">
+              <a:shade val="50000"/>
+            </a:schemeClr>
+          </a:lnRef>
+          <a:fillRef idx="1">
+            <a:schemeClr val="accent1"/>
+          </a:fillRef>
+          <a:effectRef idx="0">
+            <a:schemeClr val="accent1"/>
+          </a:effectRef>
+          <a:fontRef idx="minor">
+            <a:schemeClr val="lt1"/>
+          </a:fontRef>
+        </p:style>
+        <p:txBody>
+          <a:bodyPr rtlCol="0" anchor="ctr"/>
+          <a:lstStyle/>
+          <a:p>
+            <a:pPr algn="ctr"/>
+            <a:endParaRPr lang="en-US"/>
+          </a:p>
+        </p:txBody>
+      </p:sp>
+    </p:spTree>
+    <p:extLst>
+      <p:ext uri="{BB962C8B-B14F-4D97-AF65-F5344CB8AC3E}">
+        <p14:creationId xmlns:p14="http://schemas.microsoft.com/office/powerpoint/2010/main" val="3689208118"/>
+      </p:ext>
+    </p:extLst>
+  </p:cSld>
+  <p:clrMapOvr>
+    <a:masterClrMapping/>
+  </p:clrMapOvr>
+  <p:transition spd="slow">
+    <p:push dir="u"/>
+  </p:transition>
+</p:sld>
+</file>
+
+<file path=ppt/slides/slide7.xml><?xml version="1.0" encoding="utf-8"?>
+<p:sld xmlns:a="http://schemas.openxmlformats.org/drawingml/2006/main" xmlns:r="http://schemas.openxmlformats.org/officeDocument/2006/relationships" xmlns:p="http://schemas.openxmlformats.org/presentationml/2006/main">
+  <p:cSld>
+    <p:spTree>
+      <p:nvGrpSpPr>
+        <p:cNvPr id="1" name=""/>
+        <p:cNvGrpSpPr/>
+        <p:nvPr/>
+      </p:nvGrpSpPr>
+      <p:grpSpPr>
+        <a:xfrm>
+          <a:off x="0" y="0"/>
+          <a:ext cx="0" cy="0"/>
+          <a:chOff x="0" y="0"/>
+          <a:chExt cx="0" cy="0"/>
+        </a:xfrm>
+      </p:grpSpPr>
+      <p:sp>
+        <p:nvSpPr>
+          <p:cNvPr id="2" name="Title 1">
+            <a:extLst>
+              <a:ext uri="{FF2B5EF4-FFF2-40B4-BE49-F238E27FC236}">
+                <a16:creationId xmlns:a16="http://schemas.microsoft.com/office/drawing/2014/main" id="{11BE9CB1-9A17-7C4F-8511-54A8454086BA}"/>
+              </a:ext>
+            </a:extLst>
+          </p:cNvPr>
+          <p:cNvSpPr>
+            <a:spLocks noGrp="1"/>
+          </p:cNvSpPr>
+          <p:nvPr>
+            <p:ph type="title"/>
+          </p:nvPr>
+        </p:nvSpPr>
+        <p:spPr>
+          <a:xfrm>
+            <a:off x="224742" y="365125"/>
+            <a:ext cx="10515600" cy="1325563"/>
+          </a:xfrm>
+        </p:spPr>
+        <p:txBody>
+          <a:bodyPr>
+            <a:normAutofit/>
+          </a:bodyPr>
+          <a:lstStyle/>
+          <a:p>
+            <a:r>
+              <a:rPr lang="es-ES_tradnl" b="1" dirty="0"/>
+              <a:t>Algo mas que menús contextuales</a:t>
+            </a:r>
+          </a:p>
+        </p:txBody>
+      </p:sp>
+      <p:sp>
+        <p:nvSpPr>
+          <p:cNvPr id="4" name="Rectangle 3">
+            <a:extLst>
+              <a:ext uri="{FF2B5EF4-FFF2-40B4-BE49-F238E27FC236}">
+                <a16:creationId xmlns:a16="http://schemas.microsoft.com/office/drawing/2014/main" id="{FD504B0F-072D-474B-945F-FDA4BE33FE88}"/>
+              </a:ext>
+            </a:extLst>
+          </p:cNvPr>
+          <p:cNvSpPr/>
+          <p:nvPr/>
+        </p:nvSpPr>
+        <p:spPr>
+          <a:xfrm>
+            <a:off x="0" y="6446836"/>
+            <a:ext cx="12192000" cy="428525"/>
+          </a:xfrm>
+          <a:prstGeom prst="rect">
+            <a:avLst/>
+          </a:prstGeom>
+          <a:solidFill>
+            <a:srgbClr val="474E5C"/>
+          </a:solidFill>
+          <a:ln>
+            <a:noFill/>
+          </a:ln>
+        </p:spPr>
+        <p:style>
+          <a:lnRef idx="2">
+            <a:schemeClr val="accent1">
+              <a:shade val="50000"/>
+            </a:schemeClr>
+          </a:lnRef>
+          <a:fillRef idx="1">
+            <a:schemeClr val="accent1"/>
+          </a:fillRef>
+          <a:effectRef idx="0">
+            <a:schemeClr val="accent1"/>
+          </a:effectRef>
+          <a:fontRef idx="minor">
+            <a:schemeClr val="lt1"/>
+          </a:fontRef>
+        </p:style>
+        <p:txBody>
+          <a:bodyPr rtlCol="0" anchor="ctr"/>
+          <a:lstStyle/>
+          <a:p>
+            <a:pPr algn="ctr"/>
+            <a:endParaRPr lang="en-US"/>
+          </a:p>
+        </p:txBody>
+      </p:sp>
+      <p:sp>
+        <p:nvSpPr>
+          <p:cNvPr id="5" name="Rectangle 4">
+            <a:extLst>
+              <a:ext uri="{FF2B5EF4-FFF2-40B4-BE49-F238E27FC236}">
+                <a16:creationId xmlns:a16="http://schemas.microsoft.com/office/drawing/2014/main" id="{1AF87483-2E1B-6B42-AAB0-26D82FDEF1C7}"/>
+              </a:ext>
+            </a:extLst>
+          </p:cNvPr>
+          <p:cNvSpPr/>
+          <p:nvPr/>
+        </p:nvSpPr>
+        <p:spPr>
+          <a:xfrm rot="5400000">
+            <a:off x="8549833" y="3233194"/>
+            <a:ext cx="6875361" cy="408972"/>
+          </a:xfrm>
+          <a:prstGeom prst="rect">
+            <a:avLst/>
+          </a:prstGeom>
+          <a:solidFill>
+            <a:srgbClr val="59BBBA"/>
+          </a:solidFill>
+          <a:ln>
+            <a:noFill/>
+          </a:ln>
+        </p:spPr>
+        <p:style>
+          <a:lnRef idx="2">
+            <a:schemeClr val="accent1">
+              <a:shade val="50000"/>
+            </a:schemeClr>
+          </a:lnRef>
+          <a:fillRef idx="1">
+            <a:schemeClr val="accent1"/>
+          </a:fillRef>
+          <a:effectRef idx="0">
+            <a:schemeClr val="accent1"/>
+          </a:effectRef>
+          <a:fontRef idx="minor">
+            <a:schemeClr val="lt1"/>
+          </a:fontRef>
+        </p:style>
+        <p:txBody>
+          <a:bodyPr rtlCol="0" anchor="ctr"/>
+          <a:lstStyle/>
+          <a:p>
+            <a:pPr algn="ctr"/>
+            <a:endParaRPr lang="en-US"/>
+          </a:p>
+        </p:txBody>
+      </p:sp>
+      <p:pic>
+        <p:nvPicPr>
+          <p:cNvPr id="9" name="Picture 8">
+            <a:extLst>
+              <a:ext uri="{FF2B5EF4-FFF2-40B4-BE49-F238E27FC236}">
+                <a16:creationId xmlns:a16="http://schemas.microsoft.com/office/drawing/2014/main" id="{17CE25D7-3679-D145-96A9-3036B8A46D53}"/>
+              </a:ext>
+            </a:extLst>
+          </p:cNvPr>
+          <p:cNvPicPr>
+            <a:picLocks noChangeAspect="1"/>
+          </p:cNvPicPr>
+          <p:nvPr/>
+        </p:nvPicPr>
+        <p:blipFill>
+          <a:blip r:embed="rId3"/>
+          <a:stretch>
+            <a:fillRect/>
+          </a:stretch>
+        </p:blipFill>
+        <p:spPr>
+          <a:xfrm>
+            <a:off x="508722" y="1604204"/>
+            <a:ext cx="2809544" cy="4505283"/>
+          </a:xfrm>
+          <a:prstGeom prst="rect">
+            <a:avLst/>
+          </a:prstGeom>
+        </p:spPr>
+      </p:pic>
+      <p:pic>
+        <p:nvPicPr>
+          <p:cNvPr id="11" name="Picture 10">
+            <a:extLst>
+              <a:ext uri="{FF2B5EF4-FFF2-40B4-BE49-F238E27FC236}">
+                <a16:creationId xmlns:a16="http://schemas.microsoft.com/office/drawing/2014/main" id="{8462746F-EE65-4544-9B93-8A1A52C600A1}"/>
+              </a:ext>
+            </a:extLst>
+          </p:cNvPr>
+          <p:cNvPicPr>
+            <a:picLocks noChangeAspect="1"/>
+          </p:cNvPicPr>
+          <p:nvPr/>
+        </p:nvPicPr>
+        <p:blipFill>
+          <a:blip r:embed="rId4"/>
+          <a:stretch>
+            <a:fillRect/>
+          </a:stretch>
+        </p:blipFill>
+        <p:spPr>
+          <a:xfrm>
+            <a:off x="4894014" y="2155964"/>
+            <a:ext cx="6038631" cy="3401762"/>
+          </a:xfrm>
+          <a:prstGeom prst="rect">
+            <a:avLst/>
+          </a:prstGeom>
+        </p:spPr>
+      </p:pic>
+    </p:spTree>
+    <p:extLst>
+      <p:ext uri="{BB962C8B-B14F-4D97-AF65-F5344CB8AC3E}">
+        <p14:creationId xmlns:p14="http://schemas.microsoft.com/office/powerpoint/2010/main" val="2015664635"/>
+      </p:ext>
+    </p:extLst>
+  </p:cSld>
+  <p:clrMapOvr>
+    <a:masterClrMapping/>
+  </p:clrMapOvr>
+  <p:transition spd="slow">
+    <p:push dir="u"/>
+  </p:transition>
+</p:sld>
+</file>
+
+<file path=ppt/slides/slide8.xml><?xml version="1.0" encoding="utf-8"?>
+<p:sld xmlns:a="http://schemas.openxmlformats.org/drawingml/2006/main" xmlns:r="http://schemas.openxmlformats.org/officeDocument/2006/relationships" xmlns:p="http://schemas.openxmlformats.org/presentationml/2006/main">
+  <p:cSld>
+    <p:spTree>
+      <p:nvGrpSpPr>
+        <p:cNvPr id="1" name=""/>
+        <p:cNvGrpSpPr/>
+        <p:nvPr/>
+      </p:nvGrpSpPr>
+      <p:grpSpPr>
+        <a:xfrm>
+          <a:off x="0" y="0"/>
+          <a:ext cx="0" cy="0"/>
+          <a:chOff x="0" y="0"/>
+          <a:chExt cx="0" cy="0"/>
+        </a:xfrm>
+      </p:grpSpPr>
+      <p:sp>
+        <p:nvSpPr>
           <p:cNvPr id="27" name="Text Placeholder 25"/>
           <p:cNvSpPr txBox="1">
             <a:spLocks/>
@@ -6809,7 +7155,7 @@
         </p:nvSpPr>
         <p:spPr bwMode="invGray">
           <a:xfrm>
-            <a:off x="3048000" y="1575644"/>
+            <a:off x="2551043" y="2812615"/>
             <a:ext cx="6096000" cy="821606"/>
           </a:xfrm>
           <a:prstGeom prst="rect">
@@ -7014,7 +7360,7 @@
                 </a:solidFill>
                 <a:latin typeface="+mn-lt"/>
               </a:rPr>
-              <a:t>¿Preguntas?</a:t>
+              <a:t>DEMO</a:t>
             </a:r>
           </a:p>
         </p:txBody>
@@ -7065,256 +7411,6 @@
           </a:p>
         </p:txBody>
       </p:sp>
-      <p:sp>
-        <p:nvSpPr>
-          <p:cNvPr id="12" name="TextBox 11"/>
-          <p:cNvSpPr txBox="1"/>
-          <p:nvPr/>
-        </p:nvSpPr>
-        <p:spPr>
-          <a:xfrm>
-            <a:off x="1736961" y="4174324"/>
-            <a:ext cx="7065051" cy="1244710"/>
-          </a:xfrm>
-          <a:prstGeom prst="rect">
-            <a:avLst/>
-          </a:prstGeom>
-          <a:noFill/>
-          <a:ln w="12700" cap="flat">
-            <a:noFill/>
-            <a:miter lim="400000"/>
-          </a:ln>
-          <a:effectLst/>
-        </p:spPr>
-        <p:style>
-          <a:lnRef idx="0">
-            <a:scrgbClr r="0" g="0" b="0"/>
-          </a:lnRef>
-          <a:fillRef idx="0">
-            <a:scrgbClr r="0" g="0" b="0"/>
-          </a:fillRef>
-          <a:effectRef idx="0">
-            <a:scrgbClr r="0" g="0" b="0"/>
-          </a:effectRef>
-          <a:fontRef idx="none"/>
-        </p:style>
-        <p:txBody>
-          <a:bodyPr rot="0" spcFirstLastPara="1" vertOverflow="overflow" horzOverflow="overflow" vert="horz" wrap="square" lIns="18674" tIns="18674" rIns="18674" bIns="18674" numCol="1" spcCol="14288" rtlCol="0" anchor="ctr">
-            <a:spAutoFit/>
-          </a:bodyPr>
-          <a:lstStyle/>
-          <a:p>
-            <a:r>
-              <a:rPr lang="es-ES_tradnl" sz="1961" dirty="0">
-                <a:cs typeface="Arial"/>
-              </a:rPr>
-              <a:t>Alejandro Ruiz</a:t>
-            </a:r>
-          </a:p>
-          <a:p>
-            <a:r>
-              <a:rPr lang="es-ES_tradnl" sz="1961" dirty="0">
-                <a:latin typeface="+mj-lt"/>
-                <a:cs typeface="Arial"/>
-              </a:rPr>
-              <a:t>Microsoft MVP: </a:t>
-            </a:r>
-            <a:r>
-              <a:rPr lang="es-ES_tradnl" sz="1961" dirty="0" err="1">
-                <a:latin typeface="+mj-lt"/>
-                <a:cs typeface="Arial"/>
-              </a:rPr>
-              <a:t>Developer</a:t>
-            </a:r>
-            <a:r>
-              <a:rPr lang="es-ES_tradnl" sz="1961" dirty="0">
-                <a:latin typeface="+mj-lt"/>
-                <a:cs typeface="Arial"/>
-              </a:rPr>
-              <a:t> Technologies</a:t>
-            </a:r>
-          </a:p>
-          <a:p>
-            <a:r>
-              <a:rPr lang="es-ES_tradnl" sz="1961" dirty="0">
-                <a:latin typeface="+mj-lt"/>
-                <a:cs typeface="Arial"/>
-              </a:rPr>
-              <a:t>Primer vistazo a .NET MAUI</a:t>
-            </a:r>
-          </a:p>
-          <a:p>
-            <a:r>
-              <a:rPr lang="es-ES_tradnl" sz="1961" dirty="0" err="1">
-                <a:latin typeface="+mj-lt"/>
-                <a:cs typeface="Arial"/>
-              </a:rPr>
-              <a:t>Codigo</a:t>
-            </a:r>
-            <a:r>
-              <a:rPr lang="es-ES_tradnl" sz="1961" dirty="0">
-                <a:latin typeface="+mj-lt"/>
-                <a:cs typeface="Arial"/>
-              </a:rPr>
-              <a:t>: </a:t>
-            </a:r>
-            <a:r>
-              <a:rPr lang="es-ES_tradnl" sz="1961" dirty="0">
-                <a:latin typeface="+mj-lt"/>
-                <a:cs typeface="Arial"/>
-                <a:hlinkClick r:id="rId3"/>
-              </a:rPr>
-              <a:t>http://bit.ly/MauiNic</a:t>
-            </a:r>
-            <a:endParaRPr lang="es-ES_tradnl" sz="1961" dirty="0">
-              <a:latin typeface="+mj-lt"/>
-              <a:cs typeface="Arial"/>
-            </a:endParaRPr>
-          </a:p>
-        </p:txBody>
-      </p:sp>
-      <p:cxnSp>
-        <p:nvCxnSpPr>
-          <p:cNvPr id="14" name="Straight Connector 13"/>
-          <p:cNvCxnSpPr/>
-          <p:nvPr/>
-        </p:nvCxnSpPr>
-        <p:spPr>
-          <a:xfrm flipV="1">
-            <a:off x="1776344" y="5590386"/>
-            <a:ext cx="9366000" cy="4667"/>
-          </a:xfrm>
-          <a:prstGeom prst="line">
-            <a:avLst/>
-          </a:prstGeom>
-          <a:ln>
-            <a:solidFill>
-              <a:srgbClr val="16ACEE"/>
-            </a:solidFill>
-            <a:headEnd type="none"/>
-            <a:tailEnd type="none"/>
-          </a:ln>
-        </p:spPr>
-        <p:style>
-          <a:lnRef idx="2">
-            <a:schemeClr val="accent6"/>
-          </a:lnRef>
-          <a:fillRef idx="0">
-            <a:schemeClr val="accent6"/>
-          </a:fillRef>
-          <a:effectRef idx="1">
-            <a:schemeClr val="accent6"/>
-          </a:effectRef>
-          <a:fontRef idx="minor">
-            <a:schemeClr val="tx1"/>
-          </a:fontRef>
-        </p:style>
-      </p:cxnSp>
-      <p:grpSp>
-        <p:nvGrpSpPr>
-          <p:cNvPr id="9" name="Group 8"/>
-          <p:cNvGrpSpPr/>
-          <p:nvPr/>
-        </p:nvGrpSpPr>
-        <p:grpSpPr>
-          <a:xfrm>
-            <a:off x="5142129" y="5819126"/>
-            <a:ext cx="6099805" cy="414999"/>
-            <a:chOff x="5245099" y="5935662"/>
-            <a:chExt cx="6223001" cy="423381"/>
-          </a:xfrm>
-        </p:grpSpPr>
-        <p:sp>
-          <p:nvSpPr>
-            <p:cNvPr id="11" name="TextBox 10"/>
-            <p:cNvSpPr txBox="1"/>
-            <p:nvPr/>
-          </p:nvSpPr>
-          <p:spPr>
-            <a:xfrm>
-              <a:off x="5245099" y="5935662"/>
-              <a:ext cx="4097780" cy="423381"/>
-            </a:xfrm>
-            <a:prstGeom prst="rect">
-              <a:avLst/>
-            </a:prstGeom>
-            <a:noFill/>
-          </p:spPr>
-          <p:txBody>
-            <a:bodyPr wrap="square" rtlCol="0">
-              <a:spAutoFit/>
-            </a:bodyPr>
-            <a:lstStyle/>
-            <a:p>
-              <a:pPr algn="ctr">
-                <a:lnSpc>
-                  <a:spcPct val="130000"/>
-                </a:lnSpc>
-              </a:pPr>
-              <a:r>
-                <a:rPr lang="es-ES_tradnl" sz="1765" dirty="0">
-                  <a:latin typeface="+mj-lt"/>
-                  <a:cs typeface="Arial"/>
-                  <a:hlinkClick r:id="rId4"/>
-                </a:rPr>
-                <a:t>https://alejandroruizvarela.blogspot.mx</a:t>
-              </a:r>
-              <a:endParaRPr lang="es-ES_tradnl" sz="1765" dirty="0">
-                <a:latin typeface="+mj-lt"/>
-                <a:cs typeface="Arial"/>
-              </a:endParaRPr>
-            </a:p>
-          </p:txBody>
-        </p:sp>
-        <p:sp>
-          <p:nvSpPr>
-            <p:cNvPr id="15" name="TextBox 14"/>
-            <p:cNvSpPr txBox="1"/>
-            <p:nvPr/>
-          </p:nvSpPr>
-          <p:spPr>
-            <a:xfrm>
-              <a:off x="8978900" y="5935662"/>
-              <a:ext cx="2489200" cy="423381"/>
-            </a:xfrm>
-            <a:prstGeom prst="rect">
-              <a:avLst/>
-            </a:prstGeom>
-            <a:noFill/>
-          </p:spPr>
-          <p:txBody>
-            <a:bodyPr wrap="square" rtlCol="0">
-              <a:spAutoFit/>
-            </a:bodyPr>
-            <a:lstStyle/>
-            <a:p>
-              <a:pPr algn="r">
-                <a:lnSpc>
-                  <a:spcPct val="130000"/>
-                </a:lnSpc>
-              </a:pPr>
-              <a:r>
-                <a:rPr lang="es-ES_tradnl" sz="1765" dirty="0">
-                  <a:latin typeface="+mj-lt"/>
-                  <a:cs typeface="Arial"/>
-                </a:rPr>
-                <a:t>@</a:t>
-              </a:r>
-              <a:r>
-                <a:rPr lang="es-ES_tradnl" sz="1765" dirty="0" err="1">
-                  <a:latin typeface="+mj-lt"/>
-                  <a:cs typeface="Arial"/>
-                </a:rPr>
-                <a:t>alejandroruizva</a:t>
-              </a:r>
-              <a:endParaRPr lang="es-ES_tradnl" sz="1765" dirty="0">
-                <a:latin typeface="+mj-lt"/>
-                <a:cs typeface="Arial"/>
-              </a:endParaRPr>
-            </a:p>
-          </p:txBody>
-        </p:sp>
-      </p:grpSp>
       <p:sp>
         <p:nvSpPr>
           <p:cNvPr id="13" name="Rectangle 12">
@@ -7422,7 +7518,7 @@
     </p:spTree>
     <p:extLst>
       <p:ext uri="{BB962C8B-B14F-4D97-AF65-F5344CB8AC3E}">
-        <p14:creationId xmlns:p14="http://schemas.microsoft.com/office/powerpoint/2010/main" val="409972582"/>
+        <p14:creationId xmlns:p14="http://schemas.microsoft.com/office/powerpoint/2010/main" val="767126801"/>
       </p:ext>
     </p:extLst>
   </p:cSld>
@@ -7521,6 +7617,259 @@
       <p:bldP spid="27" grpId="0"/>
     </p:bldLst>
   </p:timing>
+</p:sld>
+</file>
+
+<file path=ppt/slides/slide9.xml><?xml version="1.0" encoding="utf-8"?>
+<p:sld xmlns:a="http://schemas.openxmlformats.org/drawingml/2006/main" xmlns:r="http://schemas.openxmlformats.org/officeDocument/2006/relationships" xmlns:p="http://schemas.openxmlformats.org/presentationml/2006/main">
+  <p:cSld>
+    <p:spTree>
+      <p:nvGrpSpPr>
+        <p:cNvPr id="1" name=""/>
+        <p:cNvGrpSpPr/>
+        <p:nvPr/>
+      </p:nvGrpSpPr>
+      <p:grpSpPr>
+        <a:xfrm>
+          <a:off x="0" y="0"/>
+          <a:ext cx="0" cy="0"/>
+          <a:chOff x="0" y="0"/>
+          <a:chExt cx="0" cy="0"/>
+        </a:xfrm>
+      </p:grpSpPr>
+      <p:sp>
+        <p:nvSpPr>
+          <p:cNvPr id="2" name="Title 1">
+            <a:extLst>
+              <a:ext uri="{FF2B5EF4-FFF2-40B4-BE49-F238E27FC236}">
+                <a16:creationId xmlns:a16="http://schemas.microsoft.com/office/drawing/2014/main" id="{11BE9CB1-9A17-7C4F-8511-54A8454086BA}"/>
+              </a:ext>
+            </a:extLst>
+          </p:cNvPr>
+          <p:cNvSpPr>
+            <a:spLocks noGrp="1"/>
+          </p:cNvSpPr>
+          <p:nvPr>
+            <p:ph type="title"/>
+          </p:nvPr>
+        </p:nvSpPr>
+        <p:spPr>
+          <a:xfrm>
+            <a:off x="224742" y="365125"/>
+            <a:ext cx="10515600" cy="1325563"/>
+          </a:xfrm>
+        </p:spPr>
+        <p:txBody>
+          <a:bodyPr>
+            <a:normAutofit/>
+          </a:bodyPr>
+          <a:lstStyle/>
+          <a:p>
+            <a:r>
+              <a:rPr lang="es-ES_tradnl" b="1" dirty="0"/>
+              <a:t>Referencias</a:t>
+            </a:r>
+          </a:p>
+        </p:txBody>
+      </p:sp>
+      <p:sp>
+        <p:nvSpPr>
+          <p:cNvPr id="4" name="Rectangle 3">
+            <a:extLst>
+              <a:ext uri="{FF2B5EF4-FFF2-40B4-BE49-F238E27FC236}">
+                <a16:creationId xmlns:a16="http://schemas.microsoft.com/office/drawing/2014/main" id="{FD504B0F-072D-474B-945F-FDA4BE33FE88}"/>
+              </a:ext>
+            </a:extLst>
+          </p:cNvPr>
+          <p:cNvSpPr/>
+          <p:nvPr/>
+        </p:nvSpPr>
+        <p:spPr>
+          <a:xfrm>
+            <a:off x="0" y="6446836"/>
+            <a:ext cx="12192000" cy="428525"/>
+          </a:xfrm>
+          <a:prstGeom prst="rect">
+            <a:avLst/>
+          </a:prstGeom>
+          <a:solidFill>
+            <a:srgbClr val="474E5C"/>
+          </a:solidFill>
+          <a:ln>
+            <a:noFill/>
+          </a:ln>
+        </p:spPr>
+        <p:style>
+          <a:lnRef idx="2">
+            <a:schemeClr val="accent1">
+              <a:shade val="50000"/>
+            </a:schemeClr>
+          </a:lnRef>
+          <a:fillRef idx="1">
+            <a:schemeClr val="accent1"/>
+          </a:fillRef>
+          <a:effectRef idx="0">
+            <a:schemeClr val="accent1"/>
+          </a:effectRef>
+          <a:fontRef idx="minor">
+            <a:schemeClr val="lt1"/>
+          </a:fontRef>
+        </p:style>
+        <p:txBody>
+          <a:bodyPr rtlCol="0" anchor="ctr"/>
+          <a:lstStyle/>
+          <a:p>
+            <a:pPr algn="ctr"/>
+            <a:endParaRPr lang="en-US"/>
+          </a:p>
+        </p:txBody>
+      </p:sp>
+      <p:sp>
+        <p:nvSpPr>
+          <p:cNvPr id="5" name="Rectangle 4">
+            <a:extLst>
+              <a:ext uri="{FF2B5EF4-FFF2-40B4-BE49-F238E27FC236}">
+                <a16:creationId xmlns:a16="http://schemas.microsoft.com/office/drawing/2014/main" id="{1AF87483-2E1B-6B42-AAB0-26D82FDEF1C7}"/>
+              </a:ext>
+            </a:extLst>
+          </p:cNvPr>
+          <p:cNvSpPr/>
+          <p:nvPr/>
+        </p:nvSpPr>
+        <p:spPr>
+          <a:xfrm rot="5400000">
+            <a:off x="8549833" y="3233194"/>
+            <a:ext cx="6875361" cy="408972"/>
+          </a:xfrm>
+          <a:prstGeom prst="rect">
+            <a:avLst/>
+          </a:prstGeom>
+          <a:solidFill>
+            <a:srgbClr val="59BBBA"/>
+          </a:solidFill>
+          <a:ln>
+            <a:noFill/>
+          </a:ln>
+        </p:spPr>
+        <p:style>
+          <a:lnRef idx="2">
+            <a:schemeClr val="accent1">
+              <a:shade val="50000"/>
+            </a:schemeClr>
+          </a:lnRef>
+          <a:fillRef idx="1">
+            <a:schemeClr val="accent1"/>
+          </a:fillRef>
+          <a:effectRef idx="0">
+            <a:schemeClr val="accent1"/>
+          </a:effectRef>
+          <a:fontRef idx="minor">
+            <a:schemeClr val="lt1"/>
+          </a:fontRef>
+        </p:style>
+        <p:txBody>
+          <a:bodyPr rtlCol="0" anchor="ctr"/>
+          <a:lstStyle/>
+          <a:p>
+            <a:pPr algn="ctr"/>
+            <a:endParaRPr lang="en-US"/>
+          </a:p>
+        </p:txBody>
+      </p:sp>
+      <p:sp>
+        <p:nvSpPr>
+          <p:cNvPr id="6" name="Content Placeholder 2">
+            <a:extLst>
+              <a:ext uri="{FF2B5EF4-FFF2-40B4-BE49-F238E27FC236}">
+                <a16:creationId xmlns:a16="http://schemas.microsoft.com/office/drawing/2014/main" id="{53785324-248F-234B-85C7-F90B97184F00}"/>
+              </a:ext>
+            </a:extLst>
+          </p:cNvPr>
+          <p:cNvSpPr>
+            <a:spLocks noGrp="1"/>
+          </p:cNvSpPr>
+          <p:nvPr>
+            <p:ph idx="1"/>
+          </p:nvPr>
+        </p:nvSpPr>
+        <p:spPr>
+          <a:xfrm>
+            <a:off x="224742" y="1524684"/>
+            <a:ext cx="10515600" cy="4351338"/>
+          </a:xfrm>
+        </p:spPr>
+        <p:txBody>
+          <a:bodyPr/>
+          <a:lstStyle/>
+          <a:p>
+            <a:r>
+              <a:rPr lang="es-ES_tradnl" dirty="0">
+                <a:hlinkClick r:id="rId3"/>
+              </a:rPr>
+              <a:t>https://docs.microsoft.com/en-us/xamarin/xamarin-forms/user-interface/swipeview</a:t>
+            </a:r>
+            <a:endParaRPr lang="es-ES_tradnl" dirty="0"/>
+          </a:p>
+          <a:p>
+            <a:r>
+              <a:rPr lang="es-ES_tradnl" dirty="0">
+                <a:hlinkClick r:id="rId4"/>
+              </a:rPr>
+              <a:t>https://javiersuarezruiz.wordpress.com/2019/12/04/xamarin-forms-un-primer-vistazo-a-swipeview/</a:t>
+            </a:r>
+            <a:endParaRPr lang="es-ES_tradnl" dirty="0"/>
+          </a:p>
+          <a:p>
+            <a:r>
+              <a:rPr lang="es-ES_tradnl" dirty="0">
+                <a:hlinkClick r:id="rId5"/>
+              </a:rPr>
+              <a:t>https://github.com/jsuarezruiz/xamarin-forms-goodlooking-UI</a:t>
+            </a:r>
+            <a:endParaRPr lang="es-ES_tradnl" dirty="0"/>
+          </a:p>
+          <a:p>
+            <a:r>
+              <a:rPr lang="es-ES_tradnl" dirty="0">
+                <a:hlinkClick r:id="rId6"/>
+              </a:rPr>
+              <a:t>https://github.com/devcrux/Xamarin.Forms-SwipeView</a:t>
+            </a:r>
+            <a:endParaRPr lang="es-ES_tradnl" dirty="0"/>
+          </a:p>
+          <a:p>
+            <a:r>
+              <a:rPr lang="es-ES_tradnl" dirty="0">
+                <a:hlinkClick r:id="rId7"/>
+              </a:rPr>
+              <a:t>https://github.com/jsuarezruiz/FlightBookingApp</a:t>
+            </a:r>
+            <a:endParaRPr lang="es-ES_tradnl" dirty="0"/>
+          </a:p>
+          <a:p>
+            <a:endParaRPr lang="es-ES_tradnl" dirty="0"/>
+          </a:p>
+          <a:p>
+            <a:pPr marL="0" indent="0">
+              <a:buNone/>
+            </a:pPr>
+            <a:endParaRPr lang="es-ES_tradnl" dirty="0"/>
+          </a:p>
+        </p:txBody>
+      </p:sp>
+    </p:spTree>
+    <p:extLst>
+      <p:ext uri="{BB962C8B-B14F-4D97-AF65-F5344CB8AC3E}">
+        <p14:creationId xmlns:p14="http://schemas.microsoft.com/office/powerpoint/2010/main" val="2328505669"/>
+      </p:ext>
+    </p:extLst>
+  </p:cSld>
+  <p:clrMapOvr>
+    <a:masterClrMapping/>
+  </p:clrMapOvr>
+  <p:transition spd="slow">
+    <p:push dir="u"/>
+  </p:transition>
 </p:sld>
 </file>
 
